--- a/ppt/spring-security-easy-in-03.pptx
+++ b/ppt/spring-security-easy-in-03.pptx
@@ -300,7 +300,7 @@
             <a:fld id="{530820CF-B880-4189-942D-D702A7CBA730}" type="datetimeFigureOut">
               <a:rPr lang="zh-CN" altLang="en-US" smtClean="0"/>
               <a:pPr/>
-              <a:t>2018/11/8</a:t>
+              <a:t>2018/11/16</a:t>
             </a:fld>
             <a:endParaRPr lang="zh-CN" altLang="en-US"/>
           </a:p>
@@ -467,7 +467,7 @@
             <a:fld id="{530820CF-B880-4189-942D-D702A7CBA730}" type="datetimeFigureOut">
               <a:rPr lang="zh-CN" altLang="en-US" smtClean="0"/>
               <a:pPr/>
-              <a:t>2018/11/8</a:t>
+              <a:t>2018/11/16</a:t>
             </a:fld>
             <a:endParaRPr lang="zh-CN" altLang="en-US"/>
           </a:p>
@@ -644,7 +644,7 @@
             <a:fld id="{530820CF-B880-4189-942D-D702A7CBA730}" type="datetimeFigureOut">
               <a:rPr lang="zh-CN" altLang="en-US" smtClean="0"/>
               <a:pPr/>
-              <a:t>2018/11/8</a:t>
+              <a:t>2018/11/16</a:t>
             </a:fld>
             <a:endParaRPr lang="zh-CN" altLang="en-US"/>
           </a:p>
@@ -811,7 +811,7 @@
             <a:fld id="{530820CF-B880-4189-942D-D702A7CBA730}" type="datetimeFigureOut">
               <a:rPr lang="zh-CN" altLang="en-US" smtClean="0"/>
               <a:pPr/>
-              <a:t>2018/11/8</a:t>
+              <a:t>2018/11/16</a:t>
             </a:fld>
             <a:endParaRPr lang="zh-CN" altLang="en-US"/>
           </a:p>
@@ -1054,7 +1054,7 @@
             <a:fld id="{530820CF-B880-4189-942D-D702A7CBA730}" type="datetimeFigureOut">
               <a:rPr lang="zh-CN" altLang="en-US" smtClean="0"/>
               <a:pPr/>
-              <a:t>2018/11/8</a:t>
+              <a:t>2018/11/16</a:t>
             </a:fld>
             <a:endParaRPr lang="zh-CN" altLang="en-US"/>
           </a:p>
@@ -1339,7 +1339,7 @@
             <a:fld id="{530820CF-B880-4189-942D-D702A7CBA730}" type="datetimeFigureOut">
               <a:rPr lang="zh-CN" altLang="en-US" smtClean="0"/>
               <a:pPr/>
-              <a:t>2018/11/8</a:t>
+              <a:t>2018/11/16</a:t>
             </a:fld>
             <a:endParaRPr lang="zh-CN" altLang="en-US"/>
           </a:p>
@@ -1758,7 +1758,7 @@
             <a:fld id="{530820CF-B880-4189-942D-D702A7CBA730}" type="datetimeFigureOut">
               <a:rPr lang="zh-CN" altLang="en-US" smtClean="0"/>
               <a:pPr/>
-              <a:t>2018/11/8</a:t>
+              <a:t>2018/11/16</a:t>
             </a:fld>
             <a:endParaRPr lang="zh-CN" altLang="en-US"/>
           </a:p>
@@ -1873,7 +1873,7 @@
             <a:fld id="{530820CF-B880-4189-942D-D702A7CBA730}" type="datetimeFigureOut">
               <a:rPr lang="zh-CN" altLang="en-US" smtClean="0"/>
               <a:pPr/>
-              <a:t>2018/11/8</a:t>
+              <a:t>2018/11/16</a:t>
             </a:fld>
             <a:endParaRPr lang="zh-CN" altLang="en-US"/>
           </a:p>
@@ -1965,7 +1965,7 @@
             <a:fld id="{530820CF-B880-4189-942D-D702A7CBA730}" type="datetimeFigureOut">
               <a:rPr lang="zh-CN" altLang="en-US" smtClean="0"/>
               <a:pPr/>
-              <a:t>2018/11/8</a:t>
+              <a:t>2018/11/16</a:t>
             </a:fld>
             <a:endParaRPr lang="zh-CN" altLang="en-US"/>
           </a:p>
@@ -2239,7 +2239,7 @@
             <a:fld id="{530820CF-B880-4189-942D-D702A7CBA730}" type="datetimeFigureOut">
               <a:rPr lang="zh-CN" altLang="en-US" smtClean="0"/>
               <a:pPr/>
-              <a:t>2018/11/8</a:t>
+              <a:t>2018/11/16</a:t>
             </a:fld>
             <a:endParaRPr lang="zh-CN" altLang="en-US"/>
           </a:p>
@@ -2489,7 +2489,7 @@
             <a:fld id="{530820CF-B880-4189-942D-D702A7CBA730}" type="datetimeFigureOut">
               <a:rPr lang="zh-CN" altLang="en-US" smtClean="0"/>
               <a:pPr/>
-              <a:t>2018/11/8</a:t>
+              <a:t>2018/11/16</a:t>
             </a:fld>
             <a:endParaRPr lang="zh-CN" altLang="en-US"/>
           </a:p>
@@ -2704,7 +2704,7 @@
             <a:fld id="{530820CF-B880-4189-942D-D702A7CBA730}" type="datetimeFigureOut">
               <a:rPr lang="zh-CN" altLang="en-US" smtClean="0"/>
               <a:pPr/>
-              <a:t>2018/11/8</a:t>
+              <a:t>2018/11/16</a:t>
             </a:fld>
             <a:endParaRPr lang="zh-CN" altLang="en-US"/>
           </a:p>
@@ -3555,20 +3555,7 @@
                 <a:latin typeface="华文楷体" pitchFamily="2" charset="-122"/>
                 <a:ea typeface="华文楷体" pitchFamily="2" charset="-122"/>
               </a:rPr>
-              <a:t>搞</a:t>
-            </a:r>
-            <a:r>
-              <a:rPr lang="zh-CN" altLang="en-US" sz="3200" b="1" dirty="0" smtClean="0">
-                <a:solidFill>
-                  <a:schemeClr val="tx1">
-                    <a:lumMod val="75000"/>
-                    <a:lumOff val="25000"/>
-                  </a:schemeClr>
-                </a:solidFill>
-                <a:latin typeface="华文楷体" pitchFamily="2" charset="-122"/>
-                <a:ea typeface="华文楷体" pitchFamily="2" charset="-122"/>
-              </a:rPr>
-              <a:t>明白原理和代码，按需定制</a:t>
+              <a:t>搞明白原理和代码，按需定制</a:t>
             </a:r>
             <a:endParaRPr lang="en-US" altLang="zh-CN" sz="3200" b="1" dirty="0" smtClean="0">
               <a:solidFill>
@@ -3736,33 +3723,7 @@
                 <a:latin typeface="华文楷体" pitchFamily="2" charset="-122"/>
                 <a:ea typeface="华文楷体" pitchFamily="2" charset="-122"/>
               </a:rPr>
-              <a:t>朋友</a:t>
-            </a:r>
-            <a:r>
-              <a:rPr lang="zh-CN" altLang="en-US" sz="3600" b="1" dirty="0" smtClean="0">
-                <a:solidFill>
-                  <a:schemeClr val="tx1">
-                    <a:lumMod val="75000"/>
-                    <a:lumOff val="25000"/>
-                  </a:schemeClr>
-                </a:solidFill>
-                <a:latin typeface="华文楷体" pitchFamily="2" charset="-122"/>
-                <a:ea typeface="华文楷体" pitchFamily="2" charset="-122"/>
-              </a:rPr>
-              <a:t>：</a:t>
-            </a:r>
-            <a:r>
-              <a:rPr lang="zh-CN" altLang="en-US" sz="3600" b="1" dirty="0" smtClean="0">
-                <a:solidFill>
-                  <a:schemeClr val="tx1">
-                    <a:lumMod val="75000"/>
-                    <a:lumOff val="25000"/>
-                  </a:schemeClr>
-                </a:solidFill>
-                <a:latin typeface="华文楷体" pitchFamily="2" charset="-122"/>
-                <a:ea typeface="华文楷体" pitchFamily="2" charset="-122"/>
-              </a:rPr>
-              <a:t>李新杰</a:t>
+              <a:t>朋友：李新杰</a:t>
             </a:r>
             <a:endParaRPr lang="zh-CN" altLang="en-US" sz="3600" b="1" dirty="0">
               <a:solidFill>
@@ -5344,11 +5305,7 @@
             </a:r>
             <a:r>
               <a:rPr lang="en-US" altLang="zh-CN" sz="3200" dirty="0" smtClean="0"/>
-              <a:t>&lt;T</a:t>
-            </a:r>
-            <a:r>
-              <a:rPr lang="en-US" altLang="zh-CN" sz="3200" dirty="0" smtClean="0"/>
-              <a:t>&gt;</a:t>
+              <a:t>&lt;T&gt;</a:t>
             </a:r>
             <a:r>
               <a:rPr lang="zh-CN" altLang="en-US" sz="3200" b="1" dirty="0" smtClean="0">

--- a/ppt/spring-security-easy-in-03.pptx
+++ b/ppt/spring-security-easy-in-03.pptx
@@ -9,14 +9,13 @@
     <p:sldId id="267" r:id="rId3"/>
     <p:sldId id="268" r:id="rId4"/>
     <p:sldId id="279" r:id="rId5"/>
-    <p:sldId id="258" r:id="rId6"/>
-    <p:sldId id="270" r:id="rId7"/>
-    <p:sldId id="278" r:id="rId8"/>
-    <p:sldId id="280" r:id="rId9"/>
-    <p:sldId id="283" r:id="rId10"/>
-    <p:sldId id="282" r:id="rId11"/>
-    <p:sldId id="281" r:id="rId12"/>
-    <p:sldId id="284" r:id="rId13"/>
+    <p:sldId id="270" r:id="rId6"/>
+    <p:sldId id="278" r:id="rId7"/>
+    <p:sldId id="280" r:id="rId8"/>
+    <p:sldId id="283" r:id="rId9"/>
+    <p:sldId id="282" r:id="rId10"/>
+    <p:sldId id="281" r:id="rId11"/>
+    <p:sldId id="284" r:id="rId12"/>
   </p:sldIdLst>
   <p:sldSz cx="9144000" cy="6858000" type="screen4x3"/>
   <p:notesSz cx="6858000" cy="9144000"/>
@@ -300,7 +299,7 @@
             <a:fld id="{530820CF-B880-4189-942D-D702A7CBA730}" type="datetimeFigureOut">
               <a:rPr lang="zh-CN" altLang="en-US" smtClean="0"/>
               <a:pPr/>
-              <a:t>2018/11/16</a:t>
+              <a:t>2018-11-17</a:t>
             </a:fld>
             <a:endParaRPr lang="zh-CN" altLang="en-US"/>
           </a:p>
@@ -467,7 +466,7 @@
             <a:fld id="{530820CF-B880-4189-942D-D702A7CBA730}" type="datetimeFigureOut">
               <a:rPr lang="zh-CN" altLang="en-US" smtClean="0"/>
               <a:pPr/>
-              <a:t>2018/11/16</a:t>
+              <a:t>2018-11-17</a:t>
             </a:fld>
             <a:endParaRPr lang="zh-CN" altLang="en-US"/>
           </a:p>
@@ -644,7 +643,7 @@
             <a:fld id="{530820CF-B880-4189-942D-D702A7CBA730}" type="datetimeFigureOut">
               <a:rPr lang="zh-CN" altLang="en-US" smtClean="0"/>
               <a:pPr/>
-              <a:t>2018/11/16</a:t>
+              <a:t>2018-11-17</a:t>
             </a:fld>
             <a:endParaRPr lang="zh-CN" altLang="en-US"/>
           </a:p>
@@ -811,7 +810,7 @@
             <a:fld id="{530820CF-B880-4189-942D-D702A7CBA730}" type="datetimeFigureOut">
               <a:rPr lang="zh-CN" altLang="en-US" smtClean="0"/>
               <a:pPr/>
-              <a:t>2018/11/16</a:t>
+              <a:t>2018-11-17</a:t>
             </a:fld>
             <a:endParaRPr lang="zh-CN" altLang="en-US"/>
           </a:p>
@@ -1054,7 +1053,7 @@
             <a:fld id="{530820CF-B880-4189-942D-D702A7CBA730}" type="datetimeFigureOut">
               <a:rPr lang="zh-CN" altLang="en-US" smtClean="0"/>
               <a:pPr/>
-              <a:t>2018/11/16</a:t>
+              <a:t>2018-11-17</a:t>
             </a:fld>
             <a:endParaRPr lang="zh-CN" altLang="en-US"/>
           </a:p>
@@ -1339,7 +1338,7 @@
             <a:fld id="{530820CF-B880-4189-942D-D702A7CBA730}" type="datetimeFigureOut">
               <a:rPr lang="zh-CN" altLang="en-US" smtClean="0"/>
               <a:pPr/>
-              <a:t>2018/11/16</a:t>
+              <a:t>2018-11-17</a:t>
             </a:fld>
             <a:endParaRPr lang="zh-CN" altLang="en-US"/>
           </a:p>
@@ -1758,7 +1757,7 @@
             <a:fld id="{530820CF-B880-4189-942D-D702A7CBA730}" type="datetimeFigureOut">
               <a:rPr lang="zh-CN" altLang="en-US" smtClean="0"/>
               <a:pPr/>
-              <a:t>2018/11/16</a:t>
+              <a:t>2018-11-17</a:t>
             </a:fld>
             <a:endParaRPr lang="zh-CN" altLang="en-US"/>
           </a:p>
@@ -1873,7 +1872,7 @@
             <a:fld id="{530820CF-B880-4189-942D-D702A7CBA730}" type="datetimeFigureOut">
               <a:rPr lang="zh-CN" altLang="en-US" smtClean="0"/>
               <a:pPr/>
-              <a:t>2018/11/16</a:t>
+              <a:t>2018-11-17</a:t>
             </a:fld>
             <a:endParaRPr lang="zh-CN" altLang="en-US"/>
           </a:p>
@@ -1965,7 +1964,7 @@
             <a:fld id="{530820CF-B880-4189-942D-D702A7CBA730}" type="datetimeFigureOut">
               <a:rPr lang="zh-CN" altLang="en-US" smtClean="0"/>
               <a:pPr/>
-              <a:t>2018/11/16</a:t>
+              <a:t>2018-11-17</a:t>
             </a:fld>
             <a:endParaRPr lang="zh-CN" altLang="en-US"/>
           </a:p>
@@ -2239,7 +2238,7 @@
             <a:fld id="{530820CF-B880-4189-942D-D702A7CBA730}" type="datetimeFigureOut">
               <a:rPr lang="zh-CN" altLang="en-US" smtClean="0"/>
               <a:pPr/>
-              <a:t>2018/11/16</a:t>
+              <a:t>2018-11-17</a:t>
             </a:fld>
             <a:endParaRPr lang="zh-CN" altLang="en-US"/>
           </a:p>
@@ -2489,7 +2488,7 @@
             <a:fld id="{530820CF-B880-4189-942D-D702A7CBA730}" type="datetimeFigureOut">
               <a:rPr lang="zh-CN" altLang="en-US" smtClean="0"/>
               <a:pPr/>
-              <a:t>2018/11/16</a:t>
+              <a:t>2018-11-17</a:t>
             </a:fld>
             <a:endParaRPr lang="zh-CN" altLang="en-US"/>
           </a:p>
@@ -2704,7 +2703,7 @@
             <a:fld id="{530820CF-B880-4189-942D-D702A7CBA730}" type="datetimeFigureOut">
               <a:rPr lang="zh-CN" altLang="en-US" smtClean="0"/>
               <a:pPr/>
-              <a:t>2018/11/16</a:t>
+              <a:t>2018-11-17</a:t>
             </a:fld>
             <a:endParaRPr lang="zh-CN" altLang="en-US"/>
           </a:p>
@@ -3083,8 +3082,8 @@
         </p:nvSpPr>
         <p:spPr>
           <a:xfrm>
-            <a:off x="785786" y="2428868"/>
-            <a:ext cx="7715304" cy="1015663"/>
+            <a:off x="179512" y="2428868"/>
+            <a:ext cx="8784976" cy="1015663"/>
           </a:xfrm>
           <a:prstGeom prst="rect">
             <a:avLst/>
@@ -3112,17 +3111,17 @@
               <a:t>轻松入门</a:t>
             </a:r>
             <a:r>
-              <a:rPr lang="en-US" altLang="zh-CN" sz="6000" b="1" dirty="0" smtClean="0">
-                <a:solidFill>
-                  <a:schemeClr val="tx1">
-                    <a:lumMod val="75000"/>
-                    <a:lumOff val="25000"/>
-                  </a:schemeClr>
-                </a:solidFill>
-                <a:latin typeface="华文楷体" pitchFamily="2" charset="-122"/>
-                <a:ea typeface="华文楷体" pitchFamily="2" charset="-122"/>
-              </a:rPr>
-              <a:t>Spring Security</a:t>
+              <a:rPr lang="en-US" altLang="zh-CN" sz="6000" b="1" dirty="0" err="1" smtClean="0">
+                <a:solidFill>
+                  <a:schemeClr val="tx1">
+                    <a:lumMod val="75000"/>
+                    <a:lumOff val="25000"/>
+                  </a:schemeClr>
+                </a:solidFill>
+                <a:latin typeface="华文楷体" pitchFamily="2" charset="-122"/>
+                <a:ea typeface="华文楷体" pitchFamily="2" charset="-122"/>
+              </a:rPr>
+              <a:t>SpringSecurity</a:t>
             </a:r>
             <a:endParaRPr lang="zh-CN" altLang="en-US" sz="6000" b="1" dirty="0">
               <a:solidFill>
@@ -3250,7 +3249,7 @@
                 <a:latin typeface="华文楷体" pitchFamily="2" charset="-122"/>
                 <a:ea typeface="华文楷体" pitchFamily="2" charset="-122"/>
               </a:rPr>
-              <a:t>对</a:t>
+              <a:t>活学活用</a:t>
             </a:r>
             <a:r>
               <a:rPr lang="en-US" altLang="zh-CN" sz="4000" b="1" dirty="0" smtClean="0">
@@ -3263,33 +3262,7 @@
                 <a:latin typeface="华文楷体" pitchFamily="2" charset="-122"/>
                 <a:ea typeface="华文楷体" pitchFamily="2" charset="-122"/>
               </a:rPr>
-              <a:t>Bean</a:t>
-            </a:r>
-            <a:r>
-              <a:rPr lang="zh-CN" altLang="en-US" sz="4000" b="1" dirty="0" smtClean="0">
-                <a:solidFill>
-                  <a:schemeClr val="tx1">
-                    <a:lumMod val="75000"/>
-                    <a:lumOff val="25000"/>
-                  </a:schemeClr>
-                </a:solidFill>
-                <a:latin typeface="华文楷体" pitchFamily="2" charset="-122"/>
-                <a:ea typeface="华文楷体" pitchFamily="2" charset="-122"/>
-              </a:rPr>
-              <a:t>方法的访问</a:t>
-            </a:r>
-            <a:r>
-              <a:rPr lang="en-US" altLang="zh-CN" sz="4000" b="1" dirty="0" smtClean="0">
-                <a:solidFill>
-                  <a:schemeClr val="tx1">
-                    <a:lumMod val="75000"/>
-                    <a:lumOff val="25000"/>
-                  </a:schemeClr>
-                </a:solidFill>
-                <a:latin typeface="华文楷体" pitchFamily="2" charset="-122"/>
-                <a:ea typeface="华文楷体" pitchFamily="2" charset="-122"/>
-              </a:rPr>
-              <a:t>(Method)</a:t>
+              <a:t>(Do what you want)</a:t>
             </a:r>
             <a:endParaRPr lang="zh-CN" altLang="en-US" sz="4000" b="1" dirty="0">
               <a:solidFill>
@@ -3313,7 +3286,7 @@
         <p:spPr>
           <a:xfrm>
             <a:off x="714348" y="1500174"/>
-            <a:ext cx="8001056" cy="1077218"/>
+            <a:ext cx="8250140" cy="1077218"/>
           </a:xfrm>
           <a:prstGeom prst="rect">
             <a:avLst/>
@@ -3337,59 +3310,7 @@
                 <a:latin typeface="华文楷体" pitchFamily="2" charset="-122"/>
                 <a:ea typeface="华文楷体" pitchFamily="2" charset="-122"/>
               </a:rPr>
-              <a:t>也可以实现非</a:t>
-            </a:r>
-            <a:r>
-              <a:rPr lang="en-US" altLang="zh-CN" sz="3200" b="1" dirty="0" smtClean="0">
-                <a:solidFill>
-                  <a:schemeClr val="tx1">
-                    <a:lumMod val="75000"/>
-                    <a:lumOff val="25000"/>
-                  </a:schemeClr>
-                </a:solidFill>
-                <a:latin typeface="华文楷体" pitchFamily="2" charset="-122"/>
-                <a:ea typeface="华文楷体" pitchFamily="2" charset="-122"/>
-              </a:rPr>
-              <a:t>web</a:t>
-            </a:r>
-            <a:r>
-              <a:rPr lang="zh-CN" altLang="en-US" sz="3200" b="1" dirty="0" smtClean="0">
-                <a:solidFill>
-                  <a:schemeClr val="tx1">
-                    <a:lumMod val="75000"/>
-                    <a:lumOff val="25000"/>
-                  </a:schemeClr>
-                </a:solidFill>
-                <a:latin typeface="华文楷体" pitchFamily="2" charset="-122"/>
-                <a:ea typeface="华文楷体" pitchFamily="2" charset="-122"/>
-              </a:rPr>
-              <a:t>的对容器中的</a:t>
-            </a:r>
-            <a:r>
-              <a:rPr lang="en-US" altLang="zh-CN" sz="3200" b="1" dirty="0" smtClean="0">
-                <a:solidFill>
-                  <a:schemeClr val="tx1">
-                    <a:lumMod val="75000"/>
-                    <a:lumOff val="25000"/>
-                  </a:schemeClr>
-                </a:solidFill>
-                <a:latin typeface="华文楷体" pitchFamily="2" charset="-122"/>
-                <a:ea typeface="华文楷体" pitchFamily="2" charset="-122"/>
-              </a:rPr>
-              <a:t>bean</a:t>
-            </a:r>
-            <a:r>
-              <a:rPr lang="zh-CN" altLang="en-US" sz="3200" b="1" dirty="0" smtClean="0">
-                <a:solidFill>
-                  <a:schemeClr val="tx1">
-                    <a:lumMod val="75000"/>
-                    <a:lumOff val="25000"/>
-                  </a:schemeClr>
-                </a:solidFill>
-                <a:latin typeface="华文楷体" pitchFamily="2" charset="-122"/>
-                <a:ea typeface="华文楷体" pitchFamily="2" charset="-122"/>
-              </a:rPr>
-              <a:t>的方法的访问控制。</a:t>
+              <a:t>这是一个通用的框架，肯定有不适合你的地方。</a:t>
             </a:r>
             <a:endParaRPr lang="en-US" altLang="zh-CN" sz="3200" b="1" dirty="0" smtClean="0">
               <a:solidFill>
@@ -3404,6 +3325,54 @@
           </a:p>
         </p:txBody>
       </p:sp>
+      <p:sp>
+        <p:nvSpPr>
+          <p:cNvPr id="4" name="TextBox 3"/>
+          <p:cNvSpPr txBox="1"/>
+          <p:nvPr/>
+        </p:nvSpPr>
+        <p:spPr>
+          <a:xfrm>
+            <a:off x="714348" y="2651428"/>
+            <a:ext cx="8250140" cy="584775"/>
+          </a:xfrm>
+          <a:prstGeom prst="rect">
+            <a:avLst/>
+          </a:prstGeom>
+          <a:noFill/>
+        </p:spPr>
+        <p:txBody>
+          <a:bodyPr wrap="square" rtlCol="0">
+            <a:spAutoFit/>
+          </a:bodyPr>
+          <a:lstStyle/>
+          <a:p>
+            <a:r>
+              <a:rPr lang="zh-CN" altLang="en-US" sz="3200" b="1" dirty="0" smtClean="0">
+                <a:solidFill>
+                  <a:schemeClr val="tx1">
+                    <a:lumMod val="75000"/>
+                    <a:lumOff val="25000"/>
+                  </a:schemeClr>
+                </a:solidFill>
+                <a:latin typeface="华文楷体" pitchFamily="2" charset="-122"/>
+                <a:ea typeface="华文楷体" pitchFamily="2" charset="-122"/>
+              </a:rPr>
+              <a:t>搞明白原理和代码，按需定制。</a:t>
+            </a:r>
+            <a:endParaRPr lang="en-US" altLang="zh-CN" sz="3200" b="1" dirty="0" smtClean="0">
+              <a:solidFill>
+                <a:schemeClr val="tx1">
+                  <a:lumMod val="75000"/>
+                  <a:lumOff val="25000"/>
+                </a:schemeClr>
+              </a:solidFill>
+              <a:latin typeface="华文楷体" pitchFamily="2" charset="-122"/>
+              <a:ea typeface="华文楷体" pitchFamily="2" charset="-122"/>
+            </a:endParaRPr>
+          </a:p>
+        </p:txBody>
+      </p:sp>
     </p:spTree>
   </p:cSld>
   <p:clrMapOvr>
@@ -3412,9 +3381,158 @@
   <p:timing>
     <p:tnLst>
       <p:par>
-        <p:cTn id="1" dur="indefinite" restart="never" nodeType="tmRoot"/>
+        <p:cTn id="1" dur="indefinite" restart="never" nodeType="tmRoot">
+          <p:childTnLst>
+            <p:seq concurrent="1" nextAc="seek">
+              <p:cTn id="2" dur="indefinite" nodeType="mainSeq">
+                <p:childTnLst>
+                  <p:par>
+                    <p:cTn id="3" fill="hold">
+                      <p:stCondLst>
+                        <p:cond delay="indefinite"/>
+                      </p:stCondLst>
+                      <p:childTnLst>
+                        <p:par>
+                          <p:cTn id="4" fill="hold">
+                            <p:stCondLst>
+                              <p:cond delay="0"/>
+                            </p:stCondLst>
+                            <p:childTnLst>
+                              <p:par>
+                                <p:cTn id="5" presetID="22" presetClass="entr" presetSubtype="4" fill="hold" grpId="0" nodeType="clickEffect">
+                                  <p:stCondLst>
+                                    <p:cond delay="0"/>
+                                  </p:stCondLst>
+                                  <p:childTnLst>
+                                    <p:set>
+                                      <p:cBhvr>
+                                        <p:cTn id="6" dur="1" fill="hold">
+                                          <p:stCondLst>
+                                            <p:cond delay="0"/>
+                                          </p:stCondLst>
+                                        </p:cTn>
+                                        <p:tgtEl>
+                                          <p:spTgt spid="7">
+                                            <p:txEl>
+                                              <p:pRg st="0" end="0"/>
+                                            </p:txEl>
+                                          </p:spTgt>
+                                        </p:tgtEl>
+                                        <p:attrNameLst>
+                                          <p:attrName>style.visibility</p:attrName>
+                                        </p:attrNameLst>
+                                      </p:cBhvr>
+                                      <p:to>
+                                        <p:strVal val="visible"/>
+                                      </p:to>
+                                    </p:set>
+                                    <p:animEffect transition="in" filter="wipe(down)">
+                                      <p:cBhvr>
+                                        <p:cTn id="7" dur="500"/>
+                                        <p:tgtEl>
+                                          <p:spTgt spid="7">
+                                            <p:txEl>
+                                              <p:pRg st="0" end="0"/>
+                                            </p:txEl>
+                                          </p:spTgt>
+                                        </p:tgtEl>
+                                      </p:cBhvr>
+                                    </p:animEffect>
+                                  </p:childTnLst>
+                                </p:cTn>
+                              </p:par>
+                            </p:childTnLst>
+                          </p:cTn>
+                        </p:par>
+                      </p:childTnLst>
+                    </p:cTn>
+                  </p:par>
+                  <p:par>
+                    <p:cTn id="8" fill="hold">
+                      <p:stCondLst>
+                        <p:cond delay="indefinite"/>
+                      </p:stCondLst>
+                      <p:childTnLst>
+                        <p:par>
+                          <p:cTn id="9" fill="hold">
+                            <p:stCondLst>
+                              <p:cond delay="0"/>
+                            </p:stCondLst>
+                            <p:childTnLst>
+                              <p:par>
+                                <p:cTn id="10" presetID="22" presetClass="entr" presetSubtype="4" fill="hold" grpId="0" nodeType="clickEffect">
+                                  <p:stCondLst>
+                                    <p:cond delay="0"/>
+                                  </p:stCondLst>
+                                  <p:childTnLst>
+                                    <p:set>
+                                      <p:cBhvr>
+                                        <p:cTn id="11" dur="1" fill="hold">
+                                          <p:stCondLst>
+                                            <p:cond delay="0"/>
+                                          </p:stCondLst>
+                                        </p:cTn>
+                                        <p:tgtEl>
+                                          <p:spTgt spid="4">
+                                            <p:txEl>
+                                              <p:pRg st="0" end="0"/>
+                                            </p:txEl>
+                                          </p:spTgt>
+                                        </p:tgtEl>
+                                        <p:attrNameLst>
+                                          <p:attrName>style.visibility</p:attrName>
+                                        </p:attrNameLst>
+                                      </p:cBhvr>
+                                      <p:to>
+                                        <p:strVal val="visible"/>
+                                      </p:to>
+                                    </p:set>
+                                    <p:animEffect transition="in" filter="wipe(down)">
+                                      <p:cBhvr>
+                                        <p:cTn id="12" dur="500"/>
+                                        <p:tgtEl>
+                                          <p:spTgt spid="4">
+                                            <p:txEl>
+                                              <p:pRg st="0" end="0"/>
+                                            </p:txEl>
+                                          </p:spTgt>
+                                        </p:tgtEl>
+                                      </p:cBhvr>
+                                    </p:animEffect>
+                                  </p:childTnLst>
+                                </p:cTn>
+                              </p:par>
+                            </p:childTnLst>
+                          </p:cTn>
+                        </p:par>
+                      </p:childTnLst>
+                    </p:cTn>
+                  </p:par>
+                </p:childTnLst>
+              </p:cTn>
+              <p:prevCondLst>
+                <p:cond evt="onPrev" delay="0">
+                  <p:tgtEl>
+                    <p:sldTgt/>
+                  </p:tgtEl>
+                </p:cond>
+              </p:prevCondLst>
+              <p:nextCondLst>
+                <p:cond evt="onNext" delay="0">
+                  <p:tgtEl>
+                    <p:sldTgt/>
+                  </p:tgtEl>
+                </p:cond>
+              </p:nextCondLst>
+            </p:seq>
+          </p:childTnLst>
+        </p:cTn>
       </p:par>
     </p:tnLst>
+    <p:bldLst>
+      <p:bldP spid="7" grpId="0" build="allAtOnce"/>
+      <p:bldP spid="4" grpId="0" build="allAtOnce"/>
+    </p:bldLst>
   </p:timing>
 </p:sld>
 </file>
@@ -3444,174 +3562,8 @@
         </p:nvSpPr>
         <p:spPr>
           <a:xfrm>
-            <a:off x="571472" y="571480"/>
-            <a:ext cx="8215370" cy="707886"/>
-          </a:xfrm>
-          <a:prstGeom prst="rect">
-            <a:avLst/>
-          </a:prstGeom>
-          <a:noFill/>
-        </p:spPr>
-        <p:txBody>
-          <a:bodyPr wrap="square" rtlCol="0">
-            <a:spAutoFit/>
-          </a:bodyPr>
-          <a:lstStyle/>
-          <a:p>
-            <a:r>
-              <a:rPr lang="zh-CN" altLang="en-US" sz="4000" b="1" dirty="0" smtClean="0">
-                <a:solidFill>
-                  <a:schemeClr val="tx1">
-                    <a:lumMod val="75000"/>
-                    <a:lumOff val="25000"/>
-                  </a:schemeClr>
-                </a:solidFill>
-                <a:latin typeface="华文楷体" pitchFamily="2" charset="-122"/>
-                <a:ea typeface="华文楷体" pitchFamily="2" charset="-122"/>
-              </a:rPr>
-              <a:t>活学活用</a:t>
-            </a:r>
-            <a:r>
-              <a:rPr lang="en-US" altLang="zh-CN" sz="4000" b="1" dirty="0" smtClean="0">
-                <a:solidFill>
-                  <a:schemeClr val="tx1">
-                    <a:lumMod val="75000"/>
-                    <a:lumOff val="25000"/>
-                  </a:schemeClr>
-                </a:solidFill>
-                <a:latin typeface="华文楷体" pitchFamily="2" charset="-122"/>
-                <a:ea typeface="华文楷体" pitchFamily="2" charset="-122"/>
-              </a:rPr>
-              <a:t>(Do what you want)</a:t>
-            </a:r>
-            <a:endParaRPr lang="zh-CN" altLang="en-US" sz="4000" b="1" dirty="0">
-              <a:solidFill>
-                <a:schemeClr val="tx1">
-                  <a:lumMod val="75000"/>
-                  <a:lumOff val="25000"/>
-                </a:schemeClr>
-              </a:solidFill>
-              <a:latin typeface="华文楷体" pitchFamily="2" charset="-122"/>
-              <a:ea typeface="华文楷体" pitchFamily="2" charset="-122"/>
-            </a:endParaRPr>
-          </a:p>
-        </p:txBody>
-      </p:sp>
-      <p:sp>
-        <p:nvSpPr>
-          <p:cNvPr id="7" name="TextBox 6"/>
-          <p:cNvSpPr txBox="1"/>
-          <p:nvPr/>
-        </p:nvSpPr>
-        <p:spPr>
-          <a:xfrm>
-            <a:off x="714348" y="1500174"/>
-            <a:ext cx="8001056" cy="1569660"/>
-          </a:xfrm>
-          <a:prstGeom prst="rect">
-            <a:avLst/>
-          </a:prstGeom>
-          <a:noFill/>
-        </p:spPr>
-        <p:txBody>
-          <a:bodyPr wrap="square" rtlCol="0">
-            <a:spAutoFit/>
-          </a:bodyPr>
-          <a:lstStyle/>
-          <a:p>
-            <a:r>
-              <a:rPr lang="zh-CN" altLang="en-US" sz="3200" b="1" dirty="0" smtClean="0">
-                <a:solidFill>
-                  <a:schemeClr val="tx1">
-                    <a:lumMod val="75000"/>
-                    <a:lumOff val="25000"/>
-                  </a:schemeClr>
-                </a:solidFill>
-                <a:latin typeface="华文楷体" pitchFamily="2" charset="-122"/>
-                <a:ea typeface="华文楷体" pitchFamily="2" charset="-122"/>
-              </a:rPr>
-              <a:t>这是一个通用的框架，肯定有不适合你的地方。</a:t>
-            </a:r>
-            <a:endParaRPr lang="en-US" altLang="zh-CN" sz="3200" b="1" dirty="0" smtClean="0">
-              <a:solidFill>
-                <a:schemeClr val="tx1">
-                  <a:lumMod val="75000"/>
-                  <a:lumOff val="25000"/>
-                </a:schemeClr>
-              </a:solidFill>
-              <a:latin typeface="华文楷体" pitchFamily="2" charset="-122"/>
-              <a:ea typeface="华文楷体" pitchFamily="2" charset="-122"/>
-            </a:endParaRPr>
-          </a:p>
-          <a:p>
-            <a:r>
-              <a:rPr lang="zh-CN" altLang="en-US" sz="3200" b="1" dirty="0" smtClean="0">
-                <a:solidFill>
-                  <a:schemeClr val="tx1">
-                    <a:lumMod val="75000"/>
-                    <a:lumOff val="25000"/>
-                  </a:schemeClr>
-                </a:solidFill>
-                <a:latin typeface="华文楷体" pitchFamily="2" charset="-122"/>
-                <a:ea typeface="华文楷体" pitchFamily="2" charset="-122"/>
-              </a:rPr>
-              <a:t>搞明白原理和代码，按需定制</a:t>
-            </a:r>
-            <a:endParaRPr lang="en-US" altLang="zh-CN" sz="3200" b="1" dirty="0" smtClean="0">
-              <a:solidFill>
-                <a:schemeClr val="tx1">
-                  <a:lumMod val="75000"/>
-                  <a:lumOff val="25000"/>
-                </a:schemeClr>
-              </a:solidFill>
-              <a:latin typeface="华文楷体" pitchFamily="2" charset="-122"/>
-              <a:ea typeface="华文楷体" pitchFamily="2" charset="-122"/>
-            </a:endParaRPr>
-          </a:p>
-        </p:txBody>
-      </p:sp>
-    </p:spTree>
-  </p:cSld>
-  <p:clrMapOvr>
-    <a:masterClrMapping/>
-  </p:clrMapOvr>
-  <p:timing>
-    <p:tnLst>
-      <p:par>
-        <p:cTn id="1" dur="indefinite" restart="never" nodeType="tmRoot"/>
-      </p:par>
-    </p:tnLst>
-  </p:timing>
-</p:sld>
-</file>
-
-<file path=ppt/slides/slide12.xml><?xml version="1.0" encoding="utf-8"?>
-<p:sld xmlns:a="http://schemas.openxmlformats.org/drawingml/2006/main" xmlns:r="http://schemas.openxmlformats.org/officeDocument/2006/relationships" xmlns:p="http://schemas.openxmlformats.org/presentationml/2006/main">
-  <p:cSld>
-    <p:spTree>
-      <p:nvGrpSpPr>
-        <p:cNvPr id="1" name=""/>
-        <p:cNvGrpSpPr/>
-        <p:nvPr/>
-      </p:nvGrpSpPr>
-      <p:grpSpPr>
-        <a:xfrm>
-          <a:off x="0" y="0"/>
-          <a:ext cx="0" cy="0"/>
-          <a:chOff x="0" y="0"/>
-          <a:chExt cx="0" cy="0"/>
-        </a:xfrm>
-      </p:grpSpPr>
-      <p:sp>
-        <p:nvSpPr>
-          <p:cNvPr id="5" name="TextBox 4"/>
-          <p:cNvSpPr txBox="1"/>
-          <p:nvPr/>
-        </p:nvSpPr>
-        <p:spPr>
-          <a:xfrm>
-            <a:off x="785786" y="2428868"/>
-            <a:ext cx="7715304" cy="1015663"/>
+            <a:off x="395536" y="2428868"/>
+            <a:ext cx="8105554" cy="1015663"/>
           </a:xfrm>
           <a:prstGeom prst="rect">
             <a:avLst/>
@@ -3724,6 +3676,54 @@
                 <a:ea typeface="华文楷体" pitchFamily="2" charset="-122"/>
               </a:rPr>
               <a:t>朋友：李新杰</a:t>
+            </a:r>
+            <a:endParaRPr lang="zh-CN" altLang="en-US" sz="3600" b="1" dirty="0">
+              <a:solidFill>
+                <a:schemeClr val="tx1">
+                  <a:lumMod val="75000"/>
+                  <a:lumOff val="25000"/>
+                </a:schemeClr>
+              </a:solidFill>
+              <a:latin typeface="华文楷体" pitchFamily="2" charset="-122"/>
+              <a:ea typeface="华文楷体" pitchFamily="2" charset="-122"/>
+            </a:endParaRPr>
+          </a:p>
+        </p:txBody>
+      </p:sp>
+      <p:sp>
+        <p:nvSpPr>
+          <p:cNvPr id="4" name="TextBox 3"/>
+          <p:cNvSpPr txBox="1"/>
+          <p:nvPr/>
+        </p:nvSpPr>
+        <p:spPr>
+          <a:xfrm>
+            <a:off x="2411760" y="5517232"/>
+            <a:ext cx="4176464" cy="646331"/>
+          </a:xfrm>
+          <a:prstGeom prst="rect">
+            <a:avLst/>
+          </a:prstGeom>
+          <a:noFill/>
+        </p:spPr>
+        <p:txBody>
+          <a:bodyPr wrap="square" rtlCol="0">
+            <a:spAutoFit/>
+          </a:bodyPr>
+          <a:lstStyle/>
+          <a:p>
+            <a:r>
+              <a:rPr lang="zh-CN" altLang="en-US" sz="3600" b="1" dirty="0" smtClean="0">
+                <a:solidFill>
+                  <a:schemeClr val="tx1">
+                    <a:lumMod val="75000"/>
+                    <a:lumOff val="25000"/>
+                  </a:schemeClr>
+                </a:solidFill>
+                <a:latin typeface="华文楷体" pitchFamily="2" charset="-122"/>
+                <a:ea typeface="华文楷体" pitchFamily="2" charset="-122"/>
+              </a:rPr>
+              <a:t>公众号：编程新说</a:t>
             </a:r>
             <a:endParaRPr lang="zh-CN" altLang="en-US" sz="3600" b="1" dirty="0">
               <a:solidFill>
@@ -3840,7 +3840,7 @@
         <p:spPr>
           <a:xfrm>
             <a:off x="714348" y="1500174"/>
-            <a:ext cx="7929618" cy="1077218"/>
+            <a:ext cx="8250140" cy="1077218"/>
           </a:xfrm>
           <a:prstGeom prst="rect">
             <a:avLst/>
@@ -3901,7 +3901,7 @@
         <p:spPr>
           <a:xfrm>
             <a:off x="714348" y="2780410"/>
-            <a:ext cx="7929618" cy="1569660"/>
+            <a:ext cx="8178132" cy="1569660"/>
           </a:xfrm>
           <a:prstGeom prst="rect">
             <a:avLst/>
@@ -3946,7 +3946,46 @@
                 <a:latin typeface="华文楷体" pitchFamily="2" charset="-122"/>
                 <a:ea typeface="华文楷体" pitchFamily="2" charset="-122"/>
               </a:rPr>
-              <a:t>，所以要搞清楚系统围绕它的逻辑和代码。</a:t>
+              <a:t>，表示访问一个</a:t>
+            </a:r>
+            <a:r>
+              <a:rPr lang="en-US" altLang="zh-CN" sz="3200" b="1" dirty="0" err="1" smtClean="0">
+                <a:solidFill>
+                  <a:schemeClr val="tx1">
+                    <a:lumMod val="75000"/>
+                    <a:lumOff val="25000"/>
+                  </a:schemeClr>
+                </a:solidFill>
+                <a:latin typeface="华文楷体" pitchFamily="2" charset="-122"/>
+                <a:ea typeface="华文楷体" pitchFamily="2" charset="-122"/>
+              </a:rPr>
+              <a:t>url</a:t>
+            </a:r>
+            <a:r>
+              <a:rPr lang="zh-CN" altLang="en-US" sz="3200" b="1" dirty="0" smtClean="0">
+                <a:solidFill>
+                  <a:schemeClr val="tx1">
+                    <a:lumMod val="75000"/>
+                    <a:lumOff val="25000"/>
+                  </a:schemeClr>
+                </a:solidFill>
+                <a:latin typeface="华文楷体" pitchFamily="2" charset="-122"/>
+                <a:ea typeface="华文楷体" pitchFamily="2" charset="-122"/>
+              </a:rPr>
+              <a:t>需要具备的某种资格，可以是角色，权限，或任何其它形</a:t>
+            </a:r>
+            <a:r>
+              <a:rPr lang="zh-CN" altLang="en-US" sz="3200" b="1" dirty="0" smtClean="0">
+                <a:solidFill>
+                  <a:schemeClr val="tx1">
+                    <a:lumMod val="75000"/>
+                    <a:lumOff val="25000"/>
+                  </a:schemeClr>
+                </a:solidFill>
+                <a:latin typeface="华文楷体" pitchFamily="2" charset="-122"/>
+                <a:ea typeface="华文楷体" pitchFamily="2" charset="-122"/>
+              </a:rPr>
+              <a:t>式。</a:t>
             </a:r>
             <a:endParaRPr lang="en-US" altLang="zh-CN" sz="3200" b="1" dirty="0" smtClean="0">
               <a:solidFill>
@@ -3959,6 +3998,29 @@
               <a:ea typeface="华文楷体" pitchFamily="2" charset="-122"/>
             </a:endParaRPr>
           </a:p>
+        </p:txBody>
+      </p:sp>
+      <p:sp>
+        <p:nvSpPr>
+          <p:cNvPr id="7" name="TextBox 6"/>
+          <p:cNvSpPr txBox="1"/>
+          <p:nvPr/>
+        </p:nvSpPr>
+        <p:spPr>
+          <a:xfrm>
+            <a:off x="714348" y="5229200"/>
+            <a:ext cx="8178132" cy="584775"/>
+          </a:xfrm>
+          <a:prstGeom prst="rect">
+            <a:avLst/>
+          </a:prstGeom>
+          <a:noFill/>
+        </p:spPr>
+        <p:txBody>
+          <a:bodyPr wrap="square" rtlCol="0">
+            <a:spAutoFit/>
+          </a:bodyPr>
+          <a:lstStyle/>
           <a:p>
             <a:r>
               <a:rPr lang="zh-CN" altLang="en-US" sz="3200" b="1" dirty="0" smtClean="0">
@@ -3986,6 +4048,80 @@
           </a:p>
         </p:txBody>
       </p:sp>
+      <p:sp>
+        <p:nvSpPr>
+          <p:cNvPr id="9" name="TextBox 8"/>
+          <p:cNvSpPr txBox="1"/>
+          <p:nvPr/>
+        </p:nvSpPr>
+        <p:spPr>
+          <a:xfrm>
+            <a:off x="714348" y="4500409"/>
+            <a:ext cx="8178132" cy="584775"/>
+          </a:xfrm>
+          <a:prstGeom prst="rect">
+            <a:avLst/>
+          </a:prstGeom>
+          <a:noFill/>
+        </p:spPr>
+        <p:txBody>
+          <a:bodyPr wrap="square" rtlCol="0">
+            <a:spAutoFit/>
+          </a:bodyPr>
+          <a:lstStyle/>
+          <a:p>
+            <a:r>
+              <a:rPr lang="zh-CN" altLang="en-US" sz="3200" b="1" dirty="0" smtClean="0">
+                <a:solidFill>
+                  <a:schemeClr val="tx1">
+                    <a:lumMod val="75000"/>
+                    <a:lumOff val="25000"/>
+                  </a:schemeClr>
+                </a:solidFill>
+                <a:latin typeface="华文楷体" pitchFamily="2" charset="-122"/>
+                <a:ea typeface="华文楷体" pitchFamily="2" charset="-122"/>
+              </a:rPr>
+              <a:t>所</a:t>
+            </a:r>
+            <a:r>
+              <a:rPr lang="zh-CN" altLang="en-US" sz="3200" b="1" dirty="0" smtClean="0">
+                <a:solidFill>
+                  <a:schemeClr val="tx1">
+                    <a:lumMod val="75000"/>
+                    <a:lumOff val="25000"/>
+                  </a:schemeClr>
+                </a:solidFill>
+                <a:latin typeface="华文楷体" pitchFamily="2" charset="-122"/>
+                <a:ea typeface="华文楷体" pitchFamily="2" charset="-122"/>
+              </a:rPr>
+              <a:t>以要搞清楚系统围绕它的逻辑和代码</a:t>
+            </a:r>
+            <a:r>
+              <a:rPr lang="zh-CN" altLang="en-US" sz="3200" b="1" dirty="0" smtClean="0">
+                <a:solidFill>
+                  <a:schemeClr val="tx1">
+                    <a:lumMod val="75000"/>
+                    <a:lumOff val="25000"/>
+                  </a:schemeClr>
+                </a:solidFill>
+                <a:latin typeface="华文楷体" pitchFamily="2" charset="-122"/>
+                <a:ea typeface="华文楷体" pitchFamily="2" charset="-122"/>
+              </a:rPr>
+              <a:t>。</a:t>
+            </a:r>
+            <a:endParaRPr lang="en-US" altLang="zh-CN" sz="3200" b="1" dirty="0" smtClean="0">
+              <a:solidFill>
+                <a:schemeClr val="tx1">
+                  <a:lumMod val="75000"/>
+                  <a:lumOff val="25000"/>
+                </a:schemeClr>
+              </a:solidFill>
+              <a:latin typeface="华文楷体" pitchFamily="2" charset="-122"/>
+              <a:ea typeface="华文楷体" pitchFamily="2" charset="-122"/>
+            </a:endParaRPr>
+          </a:p>
+        </p:txBody>
+      </p:sp>
     </p:spTree>
   </p:cSld>
   <p:clrMapOvr>
@@ -3994,9 +4130,220 @@
   <p:timing>
     <p:tnLst>
       <p:par>
-        <p:cTn id="1" dur="indefinite" restart="never" nodeType="tmRoot"/>
+        <p:cTn id="1" dur="indefinite" restart="never" nodeType="tmRoot">
+          <p:childTnLst>
+            <p:seq concurrent="1" nextAc="seek">
+              <p:cTn id="2" dur="indefinite" nodeType="mainSeq">
+                <p:childTnLst>
+                  <p:par>
+                    <p:cTn id="3" fill="hold">
+                      <p:stCondLst>
+                        <p:cond delay="indefinite"/>
+                      </p:stCondLst>
+                      <p:childTnLst>
+                        <p:par>
+                          <p:cTn id="4" fill="hold">
+                            <p:stCondLst>
+                              <p:cond delay="0"/>
+                            </p:stCondLst>
+                            <p:childTnLst>
+                              <p:par>
+                                <p:cTn id="5" presetID="22" presetClass="entr" presetSubtype="4" fill="hold" grpId="0" nodeType="clickEffect">
+                                  <p:stCondLst>
+                                    <p:cond delay="0"/>
+                                  </p:stCondLst>
+                                  <p:childTnLst>
+                                    <p:set>
+                                      <p:cBhvr>
+                                        <p:cTn id="6" dur="1" fill="hold">
+                                          <p:stCondLst>
+                                            <p:cond delay="0"/>
+                                          </p:stCondLst>
+                                        </p:cTn>
+                                        <p:tgtEl>
+                                          <p:spTgt spid="4">
+                                            <p:txEl>
+                                              <p:pRg st="0" end="0"/>
+                                            </p:txEl>
+                                          </p:spTgt>
+                                        </p:tgtEl>
+                                        <p:attrNameLst>
+                                          <p:attrName>style.visibility</p:attrName>
+                                        </p:attrNameLst>
+                                      </p:cBhvr>
+                                      <p:to>
+                                        <p:strVal val="visible"/>
+                                      </p:to>
+                                    </p:set>
+                                    <p:animEffect transition="in" filter="wipe(down)">
+                                      <p:cBhvr>
+                                        <p:cTn id="7" dur="500"/>
+                                        <p:tgtEl>
+                                          <p:spTgt spid="4">
+                                            <p:txEl>
+                                              <p:pRg st="0" end="0"/>
+                                            </p:txEl>
+                                          </p:spTgt>
+                                        </p:tgtEl>
+                                      </p:cBhvr>
+                                    </p:animEffect>
+                                  </p:childTnLst>
+                                </p:cTn>
+                              </p:par>
+                            </p:childTnLst>
+                          </p:cTn>
+                        </p:par>
+                      </p:childTnLst>
+                    </p:cTn>
+                  </p:par>
+                  <p:par>
+                    <p:cTn id="8" fill="hold">
+                      <p:stCondLst>
+                        <p:cond delay="indefinite"/>
+                      </p:stCondLst>
+                      <p:childTnLst>
+                        <p:par>
+                          <p:cTn id="9" fill="hold">
+                            <p:stCondLst>
+                              <p:cond delay="0"/>
+                            </p:stCondLst>
+                            <p:childTnLst>
+                              <p:par>
+                                <p:cTn id="10" presetID="22" presetClass="entr" presetSubtype="4" fill="hold" grpId="0" nodeType="clickEffect">
+                                  <p:stCondLst>
+                                    <p:cond delay="0"/>
+                                  </p:stCondLst>
+                                  <p:childTnLst>
+                                    <p:set>
+                                      <p:cBhvr>
+                                        <p:cTn id="11" dur="1" fill="hold">
+                                          <p:stCondLst>
+                                            <p:cond delay="0"/>
+                                          </p:stCondLst>
+                                        </p:cTn>
+                                        <p:tgtEl>
+                                          <p:spTgt spid="9">
+                                            <p:txEl>
+                                              <p:pRg st="0" end="0"/>
+                                            </p:txEl>
+                                          </p:spTgt>
+                                        </p:tgtEl>
+                                        <p:attrNameLst>
+                                          <p:attrName>style.visibility</p:attrName>
+                                        </p:attrNameLst>
+                                      </p:cBhvr>
+                                      <p:to>
+                                        <p:strVal val="visible"/>
+                                      </p:to>
+                                    </p:set>
+                                    <p:animEffect transition="in" filter="wipe(down)">
+                                      <p:cBhvr>
+                                        <p:cTn id="12" dur="500"/>
+                                        <p:tgtEl>
+                                          <p:spTgt spid="9">
+                                            <p:txEl>
+                                              <p:pRg st="0" end="0"/>
+                                            </p:txEl>
+                                          </p:spTgt>
+                                        </p:tgtEl>
+                                      </p:cBhvr>
+                                    </p:animEffect>
+                                  </p:childTnLst>
+                                </p:cTn>
+                              </p:par>
+                            </p:childTnLst>
+                          </p:cTn>
+                        </p:par>
+                      </p:childTnLst>
+                    </p:cTn>
+                  </p:par>
+                  <p:par>
+                    <p:cTn id="13" fill="hold">
+                      <p:stCondLst>
+                        <p:cond delay="indefinite"/>
+                      </p:stCondLst>
+                      <p:childTnLst>
+                        <p:par>
+                          <p:cTn id="14" fill="hold">
+                            <p:stCondLst>
+                              <p:cond delay="0"/>
+                            </p:stCondLst>
+                            <p:childTnLst>
+                              <p:par>
+                                <p:cTn id="15" presetID="22" presetClass="entr" presetSubtype="4" fill="hold" grpId="0" nodeType="clickEffect">
+                                  <p:stCondLst>
+                                    <p:cond delay="0"/>
+                                  </p:stCondLst>
+                                  <p:childTnLst>
+                                    <p:set>
+                                      <p:cBhvr>
+                                        <p:cTn id="16" dur="1" fill="hold">
+                                          <p:stCondLst>
+                                            <p:cond delay="0"/>
+                                          </p:stCondLst>
+                                        </p:cTn>
+                                        <p:tgtEl>
+                                          <p:spTgt spid="7">
+                                            <p:txEl>
+                                              <p:pRg st="0" end="0"/>
+                                            </p:txEl>
+                                          </p:spTgt>
+                                        </p:tgtEl>
+                                        <p:attrNameLst>
+                                          <p:attrName>style.visibility</p:attrName>
+                                        </p:attrNameLst>
+                                      </p:cBhvr>
+                                      <p:to>
+                                        <p:strVal val="visible"/>
+                                      </p:to>
+                                    </p:set>
+                                    <p:animEffect transition="in" filter="wipe(down)">
+                                      <p:cBhvr>
+                                        <p:cTn id="17" dur="500"/>
+                                        <p:tgtEl>
+                                          <p:spTgt spid="7">
+                                            <p:txEl>
+                                              <p:pRg st="0" end="0"/>
+                                            </p:txEl>
+                                          </p:spTgt>
+                                        </p:tgtEl>
+                                      </p:cBhvr>
+                                    </p:animEffect>
+                                  </p:childTnLst>
+                                </p:cTn>
+                              </p:par>
+                            </p:childTnLst>
+                          </p:cTn>
+                        </p:par>
+                      </p:childTnLst>
+                    </p:cTn>
+                  </p:par>
+                </p:childTnLst>
+              </p:cTn>
+              <p:prevCondLst>
+                <p:cond evt="onPrev" delay="0">
+                  <p:tgtEl>
+                    <p:sldTgt/>
+                  </p:tgtEl>
+                </p:cond>
+              </p:prevCondLst>
+              <p:nextCondLst>
+                <p:cond evt="onNext" delay="0">
+                  <p:tgtEl>
+                    <p:sldTgt/>
+                  </p:tgtEl>
+                </p:cond>
+              </p:nextCondLst>
+            </p:seq>
+          </p:childTnLst>
+        </p:cTn>
       </p:par>
     </p:tnLst>
+    <p:bldLst>
+      <p:bldP spid="4" grpId="0" build="allAtOnce"/>
+      <p:bldP spid="7" grpId="0" build="allAtOnce"/>
+      <p:bldP spid="9" grpId="0" build="allAtOnce"/>
+    </p:bldLst>
   </p:timing>
 </p:sld>
 </file>
@@ -4088,7 +4435,7 @@
         <p:spPr>
           <a:xfrm>
             <a:off x="714348" y="1500174"/>
-            <a:ext cx="7929618" cy="4031873"/>
+            <a:ext cx="7929618" cy="584775"/>
           </a:xfrm>
           <a:prstGeom prst="rect">
             <a:avLst/>
@@ -4125,6 +4472,29 @@
               <a:ea typeface="华文楷体" pitchFamily="2" charset="-122"/>
             </a:endParaRPr>
           </a:p>
+        </p:txBody>
+      </p:sp>
+      <p:sp>
+        <p:nvSpPr>
+          <p:cNvPr id="4" name="TextBox 3"/>
+          <p:cNvSpPr txBox="1"/>
+          <p:nvPr/>
+        </p:nvSpPr>
+        <p:spPr>
+          <a:xfrm>
+            <a:off x="714348" y="2124145"/>
+            <a:ext cx="7929618" cy="584775"/>
+          </a:xfrm>
+          <a:prstGeom prst="rect">
+            <a:avLst/>
+          </a:prstGeom>
+          <a:noFill/>
+        </p:spPr>
+        <p:txBody>
+          <a:bodyPr wrap="square" rtlCol="0">
+            <a:spAutoFit/>
+          </a:bodyPr>
+          <a:lstStyle/>
           <a:p>
             <a:r>
               <a:rPr lang="zh-CN" altLang="en-US" sz="3200" b="1" dirty="0" smtClean="0">
@@ -4150,6 +4520,29 @@
               <a:ea typeface="华文楷体" pitchFamily="2" charset="-122"/>
             </a:endParaRPr>
           </a:p>
+        </p:txBody>
+      </p:sp>
+      <p:sp>
+        <p:nvSpPr>
+          <p:cNvPr id="7" name="TextBox 6"/>
+          <p:cNvSpPr txBox="1"/>
+          <p:nvPr/>
+        </p:nvSpPr>
+        <p:spPr>
+          <a:xfrm>
+            <a:off x="714348" y="2700209"/>
+            <a:ext cx="7929618" cy="584775"/>
+          </a:xfrm>
+          <a:prstGeom prst="rect">
+            <a:avLst/>
+          </a:prstGeom>
+          <a:noFill/>
+        </p:spPr>
+        <p:txBody>
+          <a:bodyPr wrap="square" rtlCol="0">
+            <a:spAutoFit/>
+          </a:bodyPr>
+          <a:lstStyle/>
           <a:p>
             <a:r>
               <a:rPr lang="zh-CN" altLang="en-US" sz="3200" b="1" dirty="0" smtClean="0">
@@ -4169,6 +4562,29 @@
               <a:t> </a:t>
             </a:r>
           </a:p>
+        </p:txBody>
+      </p:sp>
+      <p:sp>
+        <p:nvSpPr>
+          <p:cNvPr id="8" name="TextBox 7"/>
+          <p:cNvSpPr txBox="1"/>
+          <p:nvPr/>
+        </p:nvSpPr>
+        <p:spPr>
+          <a:xfrm>
+            <a:off x="714348" y="3204265"/>
+            <a:ext cx="7929618" cy="584775"/>
+          </a:xfrm>
+          <a:prstGeom prst="rect">
+            <a:avLst/>
+          </a:prstGeom>
+          <a:noFill/>
+        </p:spPr>
+        <p:txBody>
+          <a:bodyPr wrap="square" rtlCol="0">
+            <a:spAutoFit/>
+          </a:bodyPr>
+          <a:lstStyle/>
           <a:p>
             <a:r>
               <a:rPr lang="en-US" altLang="zh-CN" sz="3200" dirty="0" err="1" smtClean="0"/>
@@ -4185,6 +4601,29 @@
               <a:ea typeface="华文楷体" pitchFamily="2" charset="-122"/>
             </a:endParaRPr>
           </a:p>
+        </p:txBody>
+      </p:sp>
+      <p:sp>
+        <p:nvSpPr>
+          <p:cNvPr id="9" name="TextBox 8"/>
+          <p:cNvSpPr txBox="1"/>
+          <p:nvPr/>
+        </p:nvSpPr>
+        <p:spPr>
+          <a:xfrm>
+            <a:off x="714348" y="3780329"/>
+            <a:ext cx="7929618" cy="584775"/>
+          </a:xfrm>
+          <a:prstGeom prst="rect">
+            <a:avLst/>
+          </a:prstGeom>
+          <a:noFill/>
+        </p:spPr>
+        <p:txBody>
+          <a:bodyPr wrap="square" rtlCol="0">
+            <a:spAutoFit/>
+          </a:bodyPr>
+          <a:lstStyle/>
           <a:p>
             <a:r>
               <a:rPr lang="zh-CN" altLang="en-US" sz="3200" b="1" dirty="0" smtClean="0">
@@ -4199,11 +4638,31 @@
               </a:rPr>
               <a:t>获取：</a:t>
             </a:r>
-            <a:r>
-              <a:rPr lang="en-US" altLang="zh-CN" sz="3200" dirty="0" smtClean="0"/>
-              <a:t> </a:t>
-            </a:r>
-          </a:p>
+            <a:endParaRPr lang="en-US" altLang="zh-CN" sz="3200" dirty="0" smtClean="0"/>
+          </a:p>
+        </p:txBody>
+      </p:sp>
+      <p:sp>
+        <p:nvSpPr>
+          <p:cNvPr id="10" name="TextBox 9"/>
+          <p:cNvSpPr txBox="1"/>
+          <p:nvPr/>
+        </p:nvSpPr>
+        <p:spPr>
+          <a:xfrm>
+            <a:off x="714348" y="4356393"/>
+            <a:ext cx="7929618" cy="584775"/>
+          </a:xfrm>
+          <a:prstGeom prst="rect">
+            <a:avLst/>
+          </a:prstGeom>
+          <a:noFill/>
+        </p:spPr>
+        <p:txBody>
+          <a:bodyPr wrap="square" rtlCol="0">
+            <a:spAutoFit/>
+          </a:bodyPr>
+          <a:lstStyle/>
           <a:p>
             <a:r>
               <a:rPr lang="en-US" altLang="zh-CN" sz="3200" dirty="0" err="1" smtClean="0"/>
@@ -4220,6 +4679,29 @@
               <a:ea typeface="华文楷体" pitchFamily="2" charset="-122"/>
             </a:endParaRPr>
           </a:p>
+        </p:txBody>
+      </p:sp>
+      <p:sp>
+        <p:nvSpPr>
+          <p:cNvPr id="11" name="TextBox 10"/>
+          <p:cNvSpPr txBox="1"/>
+          <p:nvPr/>
+        </p:nvSpPr>
+        <p:spPr>
+          <a:xfrm>
+            <a:off x="714348" y="5004465"/>
+            <a:ext cx="7929618" cy="584775"/>
+          </a:xfrm>
+          <a:prstGeom prst="rect">
+            <a:avLst/>
+          </a:prstGeom>
+          <a:noFill/>
+        </p:spPr>
+        <p:txBody>
+          <a:bodyPr wrap="square" rtlCol="0">
+            <a:spAutoFit/>
+          </a:bodyPr>
+          <a:lstStyle/>
           <a:p>
             <a:r>
               <a:rPr lang="zh-CN" altLang="en-US" sz="3200" b="1" dirty="0" smtClean="0">
@@ -4239,6 +4721,29 @@
               <a:t> </a:t>
             </a:r>
           </a:p>
+        </p:txBody>
+      </p:sp>
+      <p:sp>
+        <p:nvSpPr>
+          <p:cNvPr id="12" name="TextBox 11"/>
+          <p:cNvSpPr txBox="1"/>
+          <p:nvPr/>
+        </p:nvSpPr>
+        <p:spPr>
+          <a:xfrm>
+            <a:off x="714348" y="5580529"/>
+            <a:ext cx="7929618" cy="584775"/>
+          </a:xfrm>
+          <a:prstGeom prst="rect">
+            <a:avLst/>
+          </a:prstGeom>
+          <a:noFill/>
+        </p:spPr>
+        <p:txBody>
+          <a:bodyPr wrap="square" rtlCol="0">
+            <a:spAutoFit/>
+          </a:bodyPr>
+          <a:lstStyle/>
           <a:p>
             <a:r>
               <a:rPr lang="en-US" altLang="zh-CN" sz="3200" dirty="0" err="1" smtClean="0"/>
@@ -4265,9 +4770,228 @@
   <p:timing>
     <p:tnLst>
       <p:par>
-        <p:cTn id="1" dur="indefinite" restart="never" nodeType="tmRoot"/>
+        <p:cTn id="1" dur="indefinite" restart="never" nodeType="tmRoot">
+          <p:childTnLst>
+            <p:seq concurrent="1" nextAc="seek">
+              <p:cTn id="2" dur="indefinite" nodeType="mainSeq">
+                <p:childTnLst>
+                  <p:par>
+                    <p:cTn id="3" fill="hold">
+                      <p:stCondLst>
+                        <p:cond delay="indefinite"/>
+                      </p:stCondLst>
+                      <p:childTnLst>
+                        <p:par>
+                          <p:cTn id="4" fill="hold">
+                            <p:stCondLst>
+                              <p:cond delay="0"/>
+                            </p:stCondLst>
+                            <p:childTnLst>
+                              <p:par>
+                                <p:cTn id="5" presetID="22" presetClass="entr" presetSubtype="4" fill="hold" grpId="0" nodeType="clickEffect">
+                                  <p:stCondLst>
+                                    <p:cond delay="0"/>
+                                  </p:stCondLst>
+                                  <p:childTnLst>
+                                    <p:set>
+                                      <p:cBhvr>
+                                        <p:cTn id="6" dur="1" fill="hold">
+                                          <p:stCondLst>
+                                            <p:cond delay="0"/>
+                                          </p:stCondLst>
+                                        </p:cTn>
+                                        <p:tgtEl>
+                                          <p:spTgt spid="4">
+                                            <p:txEl>
+                                              <p:pRg st="0" end="0"/>
+                                            </p:txEl>
+                                          </p:spTgt>
+                                        </p:tgtEl>
+                                        <p:attrNameLst>
+                                          <p:attrName>style.visibility</p:attrName>
+                                        </p:attrNameLst>
+                                      </p:cBhvr>
+                                      <p:to>
+                                        <p:strVal val="visible"/>
+                                      </p:to>
+                                    </p:set>
+                                    <p:animEffect transition="in" filter="wipe(down)">
+                                      <p:cBhvr>
+                                        <p:cTn id="7" dur="500"/>
+                                        <p:tgtEl>
+                                          <p:spTgt spid="4">
+                                            <p:txEl>
+                                              <p:pRg st="0" end="0"/>
+                                            </p:txEl>
+                                          </p:spTgt>
+                                        </p:tgtEl>
+                                      </p:cBhvr>
+                                    </p:animEffect>
+                                  </p:childTnLst>
+                                </p:cTn>
+                              </p:par>
+                              <p:par>
+                                <p:cTn id="8" presetID="22" presetClass="entr" presetSubtype="4" fill="hold" grpId="0" nodeType="withEffect">
+                                  <p:stCondLst>
+                                    <p:cond delay="0"/>
+                                  </p:stCondLst>
+                                  <p:childTnLst>
+                                    <p:set>
+                                      <p:cBhvr>
+                                        <p:cTn id="9" dur="1" fill="hold">
+                                          <p:stCondLst>
+                                            <p:cond delay="0"/>
+                                          </p:stCondLst>
+                                        </p:cTn>
+                                        <p:tgtEl>
+                                          <p:spTgt spid="8">
+                                            <p:txEl>
+                                              <p:pRg st="0" end="0"/>
+                                            </p:txEl>
+                                          </p:spTgt>
+                                        </p:tgtEl>
+                                        <p:attrNameLst>
+                                          <p:attrName>style.visibility</p:attrName>
+                                        </p:attrNameLst>
+                                      </p:cBhvr>
+                                      <p:to>
+                                        <p:strVal val="visible"/>
+                                      </p:to>
+                                    </p:set>
+                                    <p:animEffect transition="in" filter="wipe(down)">
+                                      <p:cBhvr>
+                                        <p:cTn id="10" dur="500"/>
+                                        <p:tgtEl>
+                                          <p:spTgt spid="8">
+                                            <p:txEl>
+                                              <p:pRg st="0" end="0"/>
+                                            </p:txEl>
+                                          </p:spTgt>
+                                        </p:tgtEl>
+                                      </p:cBhvr>
+                                    </p:animEffect>
+                                  </p:childTnLst>
+                                </p:cTn>
+                              </p:par>
+                              <p:par>
+                                <p:cTn id="11" presetID="22" presetClass="entr" presetSubtype="4" fill="hold" grpId="0" nodeType="withEffect">
+                                  <p:stCondLst>
+                                    <p:cond delay="0"/>
+                                  </p:stCondLst>
+                                  <p:childTnLst>
+                                    <p:set>
+                                      <p:cBhvr>
+                                        <p:cTn id="12" dur="1" fill="hold">
+                                          <p:stCondLst>
+                                            <p:cond delay="0"/>
+                                          </p:stCondLst>
+                                        </p:cTn>
+                                        <p:tgtEl>
+                                          <p:spTgt spid="10">
+                                            <p:txEl>
+                                              <p:pRg st="0" end="0"/>
+                                            </p:txEl>
+                                          </p:spTgt>
+                                        </p:tgtEl>
+                                        <p:attrNameLst>
+                                          <p:attrName>style.visibility</p:attrName>
+                                        </p:attrNameLst>
+                                      </p:cBhvr>
+                                      <p:to>
+                                        <p:strVal val="visible"/>
+                                      </p:to>
+                                    </p:set>
+                                    <p:animEffect transition="in" filter="wipe(down)">
+                                      <p:cBhvr>
+                                        <p:cTn id="13" dur="500"/>
+                                        <p:tgtEl>
+                                          <p:spTgt spid="10">
+                                            <p:txEl>
+                                              <p:pRg st="0" end="0"/>
+                                            </p:txEl>
+                                          </p:spTgt>
+                                        </p:tgtEl>
+                                      </p:cBhvr>
+                                    </p:animEffect>
+                                  </p:childTnLst>
+                                </p:cTn>
+                              </p:par>
+                              <p:par>
+                                <p:cTn id="14" presetID="22" presetClass="entr" presetSubtype="4" fill="hold" grpId="0" nodeType="withEffect">
+                                  <p:stCondLst>
+                                    <p:cond delay="0"/>
+                                  </p:stCondLst>
+                                  <p:childTnLst>
+                                    <p:set>
+                                      <p:cBhvr>
+                                        <p:cTn id="15" dur="1" fill="hold">
+                                          <p:stCondLst>
+                                            <p:cond delay="0"/>
+                                          </p:stCondLst>
+                                        </p:cTn>
+                                        <p:tgtEl>
+                                          <p:spTgt spid="12">
+                                            <p:txEl>
+                                              <p:pRg st="0" end="0"/>
+                                            </p:txEl>
+                                          </p:spTgt>
+                                        </p:tgtEl>
+                                        <p:attrNameLst>
+                                          <p:attrName>style.visibility</p:attrName>
+                                        </p:attrNameLst>
+                                      </p:cBhvr>
+                                      <p:to>
+                                        <p:strVal val="visible"/>
+                                      </p:to>
+                                    </p:set>
+                                    <p:animEffect transition="in" filter="wipe(down)">
+                                      <p:cBhvr>
+                                        <p:cTn id="16" dur="500"/>
+                                        <p:tgtEl>
+                                          <p:spTgt spid="12">
+                                            <p:txEl>
+                                              <p:pRg st="0" end="0"/>
+                                            </p:txEl>
+                                          </p:spTgt>
+                                        </p:tgtEl>
+                                      </p:cBhvr>
+                                    </p:animEffect>
+                                  </p:childTnLst>
+                                </p:cTn>
+                              </p:par>
+                            </p:childTnLst>
+                          </p:cTn>
+                        </p:par>
+                      </p:childTnLst>
+                    </p:cTn>
+                  </p:par>
+                </p:childTnLst>
+              </p:cTn>
+              <p:prevCondLst>
+                <p:cond evt="onPrev" delay="0">
+                  <p:tgtEl>
+                    <p:sldTgt/>
+                  </p:tgtEl>
+                </p:cond>
+              </p:prevCondLst>
+              <p:nextCondLst>
+                <p:cond evt="onNext" delay="0">
+                  <p:tgtEl>
+                    <p:sldTgt/>
+                  </p:tgtEl>
+                </p:cond>
+              </p:nextCondLst>
+            </p:seq>
+          </p:childTnLst>
+        </p:cTn>
       </p:par>
     </p:tnLst>
+    <p:bldLst>
+      <p:bldP spid="4" grpId="0" build="allAtOnce"/>
+      <p:bldP spid="8" grpId="0" build="allAtOnce"/>
+      <p:bldP spid="10" grpId="0" build="allAtOnce"/>
+      <p:bldP spid="12" grpId="0" build="allAtOnce"/>
+    </p:bldLst>
   </p:timing>
 </p:sld>
 </file>
@@ -4359,7 +5083,7 @@
         <p:spPr>
           <a:xfrm>
             <a:off x="714348" y="1500174"/>
-            <a:ext cx="7929618" cy="4031873"/>
+            <a:ext cx="7929618" cy="584775"/>
           </a:xfrm>
           <a:prstGeom prst="rect">
             <a:avLst/>
@@ -4396,6 +5120,29 @@
               <a:ea typeface="华文楷体" pitchFamily="2" charset="-122"/>
             </a:endParaRPr>
           </a:p>
+        </p:txBody>
+      </p:sp>
+      <p:sp>
+        <p:nvSpPr>
+          <p:cNvPr id="4" name="TextBox 3"/>
+          <p:cNvSpPr txBox="1"/>
+          <p:nvPr/>
+        </p:nvSpPr>
+        <p:spPr>
+          <a:xfrm>
+            <a:off x="714348" y="2060848"/>
+            <a:ext cx="7929618" cy="584775"/>
+          </a:xfrm>
+          <a:prstGeom prst="rect">
+            <a:avLst/>
+          </a:prstGeom>
+          <a:noFill/>
+        </p:spPr>
+        <p:txBody>
+          <a:bodyPr wrap="square" rtlCol="0">
+            <a:spAutoFit/>
+          </a:bodyPr>
+          <a:lstStyle/>
           <a:p>
             <a:r>
               <a:rPr lang="zh-CN" altLang="en-US" sz="3200" b="1" dirty="0" smtClean="0">
@@ -4421,6 +5168,29 @@
               <a:ea typeface="华文楷体" pitchFamily="2" charset="-122"/>
             </a:endParaRPr>
           </a:p>
+        </p:txBody>
+      </p:sp>
+      <p:sp>
+        <p:nvSpPr>
+          <p:cNvPr id="7" name="TextBox 6"/>
+          <p:cNvSpPr txBox="1"/>
+          <p:nvPr/>
+        </p:nvSpPr>
+        <p:spPr>
+          <a:xfrm>
+            <a:off x="714348" y="2577093"/>
+            <a:ext cx="7929618" cy="584775"/>
+          </a:xfrm>
+          <a:prstGeom prst="rect">
+            <a:avLst/>
+          </a:prstGeom>
+          <a:noFill/>
+        </p:spPr>
+        <p:txBody>
+          <a:bodyPr wrap="square" rtlCol="0">
+            <a:spAutoFit/>
+          </a:bodyPr>
+          <a:lstStyle/>
           <a:p>
             <a:r>
               <a:rPr lang="zh-CN" altLang="en-US" sz="3200" b="1" dirty="0" smtClean="0">
@@ -4433,7 +5203,7 @@
                 <a:latin typeface="华文楷体" pitchFamily="2" charset="-122"/>
                 <a:ea typeface="华文楷体" pitchFamily="2" charset="-122"/>
               </a:rPr>
-              <a:t>存储：自己实现这个接口</a:t>
+              <a:t>存储：</a:t>
             </a:r>
             <a:endParaRPr lang="en-US" altLang="zh-CN" sz="3200" b="1" dirty="0" smtClean="0">
               <a:solidFill>
@@ -4446,10 +5216,42 @@
               <a:ea typeface="华文楷体" pitchFamily="2" charset="-122"/>
             </a:endParaRPr>
           </a:p>
-          <a:p>
-            <a:r>
-              <a:rPr lang="en-US" altLang="zh-CN" sz="3200" dirty="0" err="1" smtClean="0"/>
-              <a:t>FilterInvocationSecurityMetadataSource</a:t>
+        </p:txBody>
+      </p:sp>
+      <p:sp>
+        <p:nvSpPr>
+          <p:cNvPr id="8" name="TextBox 7"/>
+          <p:cNvSpPr txBox="1"/>
+          <p:nvPr/>
+        </p:nvSpPr>
+        <p:spPr>
+          <a:xfrm>
+            <a:off x="714348" y="3069535"/>
+            <a:ext cx="7929618" cy="1077218"/>
+          </a:xfrm>
+          <a:prstGeom prst="rect">
+            <a:avLst/>
+          </a:prstGeom>
+          <a:noFill/>
+        </p:spPr>
+        <p:txBody>
+          <a:bodyPr wrap="square" rtlCol="0">
+            <a:spAutoFit/>
+          </a:bodyPr>
+          <a:lstStyle/>
+          <a:p>
+            <a:r>
+              <a:rPr lang="zh-CN" altLang="en-US" sz="3200" b="1" dirty="0" smtClean="0">
+                <a:solidFill>
+                  <a:schemeClr val="tx1">
+                    <a:lumMod val="75000"/>
+                    <a:lumOff val="25000"/>
+                  </a:schemeClr>
+                </a:solidFill>
+                <a:latin typeface="华文楷体" pitchFamily="2" charset="-122"/>
+                <a:ea typeface="华文楷体" pitchFamily="2" charset="-122"/>
+              </a:rPr>
+              <a:t>自己实现这个接口</a:t>
             </a:r>
             <a:endParaRPr lang="en-US" altLang="zh-CN" sz="3200" b="1" dirty="0" smtClean="0">
               <a:solidFill>
@@ -4464,22 +5266,6 @@
           </a:p>
           <a:p>
             <a:r>
-              <a:rPr lang="zh-CN" altLang="en-US" sz="3200" b="1" dirty="0" smtClean="0">
-                <a:solidFill>
-                  <a:schemeClr val="tx1">
-                    <a:lumMod val="75000"/>
-                    <a:lumOff val="25000"/>
-                  </a:schemeClr>
-                </a:solidFill>
-                <a:latin typeface="华文楷体" pitchFamily="2" charset="-122"/>
-                <a:ea typeface="华文楷体" pitchFamily="2" charset="-122"/>
-              </a:rPr>
-              <a:t>获取：自己实现这个接口</a:t>
-            </a:r>
-            <a:endParaRPr lang="en-US" altLang="zh-CN" sz="3200" dirty="0" smtClean="0"/>
-          </a:p>
-          <a:p>
-            <a:r>
               <a:rPr lang="en-US" altLang="zh-CN" sz="3200" dirty="0" err="1" smtClean="0"/>
               <a:t>FilterInvocationSecurityMetadataSource</a:t>
             </a:r>
@@ -4494,6 +5280,123 @@
               <a:ea typeface="华文楷体" pitchFamily="2" charset="-122"/>
             </a:endParaRPr>
           </a:p>
+        </p:txBody>
+      </p:sp>
+      <p:sp>
+        <p:nvSpPr>
+          <p:cNvPr id="10" name="TextBox 7"/>
+          <p:cNvSpPr txBox="1"/>
+          <p:nvPr/>
+        </p:nvSpPr>
+        <p:spPr>
+          <a:xfrm>
+            <a:off x="683568" y="4066034"/>
+            <a:ext cx="7929618" cy="584775"/>
+          </a:xfrm>
+          <a:prstGeom prst="rect">
+            <a:avLst/>
+          </a:prstGeom>
+          <a:noFill/>
+        </p:spPr>
+        <p:txBody>
+          <a:bodyPr wrap="square" rtlCol="0">
+            <a:spAutoFit/>
+          </a:bodyPr>
+          <a:lstStyle>
+            <a:defPPr>
+              <a:defRPr lang="zh-CN"/>
+            </a:defPPr>
+            <a:lvl1pPr marL="0" algn="l" defTabSz="914400" rtl="0" eaLnBrk="1" latinLnBrk="0" hangingPunct="1">
+              <a:defRPr sz="1800" kern="1200">
+                <a:solidFill>
+                  <a:schemeClr val="tx1"/>
+                </a:solidFill>
+                <a:latin typeface="+mn-lt"/>
+                <a:ea typeface="+mn-ea"/>
+                <a:cs typeface="+mn-cs"/>
+              </a:defRPr>
+            </a:lvl1pPr>
+            <a:lvl2pPr marL="457200" algn="l" defTabSz="914400" rtl="0" eaLnBrk="1" latinLnBrk="0" hangingPunct="1">
+              <a:defRPr sz="1800" kern="1200">
+                <a:solidFill>
+                  <a:schemeClr val="tx1"/>
+                </a:solidFill>
+                <a:latin typeface="+mn-lt"/>
+                <a:ea typeface="+mn-ea"/>
+                <a:cs typeface="+mn-cs"/>
+              </a:defRPr>
+            </a:lvl2pPr>
+            <a:lvl3pPr marL="914400" algn="l" defTabSz="914400" rtl="0" eaLnBrk="1" latinLnBrk="0" hangingPunct="1">
+              <a:defRPr sz="1800" kern="1200">
+                <a:solidFill>
+                  <a:schemeClr val="tx1"/>
+                </a:solidFill>
+                <a:latin typeface="+mn-lt"/>
+                <a:ea typeface="+mn-ea"/>
+                <a:cs typeface="+mn-cs"/>
+              </a:defRPr>
+            </a:lvl3pPr>
+            <a:lvl4pPr marL="1371600" algn="l" defTabSz="914400" rtl="0" eaLnBrk="1" latinLnBrk="0" hangingPunct="1">
+              <a:defRPr sz="1800" kern="1200">
+                <a:solidFill>
+                  <a:schemeClr val="tx1"/>
+                </a:solidFill>
+                <a:latin typeface="+mn-lt"/>
+                <a:ea typeface="+mn-ea"/>
+                <a:cs typeface="+mn-cs"/>
+              </a:defRPr>
+            </a:lvl4pPr>
+            <a:lvl5pPr marL="1828800" algn="l" defTabSz="914400" rtl="0" eaLnBrk="1" latinLnBrk="0" hangingPunct="1">
+              <a:defRPr sz="1800" kern="1200">
+                <a:solidFill>
+                  <a:schemeClr val="tx1"/>
+                </a:solidFill>
+                <a:latin typeface="+mn-lt"/>
+                <a:ea typeface="+mn-ea"/>
+                <a:cs typeface="+mn-cs"/>
+              </a:defRPr>
+            </a:lvl5pPr>
+            <a:lvl6pPr marL="2286000" algn="l" defTabSz="914400" rtl="0" eaLnBrk="1" latinLnBrk="0" hangingPunct="1">
+              <a:defRPr sz="1800" kern="1200">
+                <a:solidFill>
+                  <a:schemeClr val="tx1"/>
+                </a:solidFill>
+                <a:latin typeface="+mn-lt"/>
+                <a:ea typeface="+mn-ea"/>
+                <a:cs typeface="+mn-cs"/>
+              </a:defRPr>
+            </a:lvl6pPr>
+            <a:lvl7pPr marL="2743200" algn="l" defTabSz="914400" rtl="0" eaLnBrk="1" latinLnBrk="0" hangingPunct="1">
+              <a:defRPr sz="1800" kern="1200">
+                <a:solidFill>
+                  <a:schemeClr val="tx1"/>
+                </a:solidFill>
+                <a:latin typeface="+mn-lt"/>
+                <a:ea typeface="+mn-ea"/>
+                <a:cs typeface="+mn-cs"/>
+              </a:defRPr>
+            </a:lvl7pPr>
+            <a:lvl8pPr marL="3200400" algn="l" defTabSz="914400" rtl="0" eaLnBrk="1" latinLnBrk="0" hangingPunct="1">
+              <a:defRPr sz="1800" kern="1200">
+                <a:solidFill>
+                  <a:schemeClr val="tx1"/>
+                </a:solidFill>
+                <a:latin typeface="+mn-lt"/>
+                <a:ea typeface="+mn-ea"/>
+                <a:cs typeface="+mn-cs"/>
+              </a:defRPr>
+            </a:lvl8pPr>
+            <a:lvl9pPr marL="3657600" algn="l" defTabSz="914400" rtl="0" eaLnBrk="1" latinLnBrk="0" hangingPunct="1">
+              <a:defRPr sz="1800" kern="1200">
+                <a:solidFill>
+                  <a:schemeClr val="tx1"/>
+                </a:solidFill>
+                <a:latin typeface="+mn-lt"/>
+                <a:ea typeface="+mn-ea"/>
+                <a:cs typeface="+mn-cs"/>
+              </a:defRPr>
+            </a:lvl9pPr>
+          </a:lstStyle>
           <a:p>
             <a:r>
               <a:rPr lang="zh-CN" altLang="en-US" sz="3200" b="1" dirty="0" smtClean="0">
@@ -4506,14 +5409,7 @@
                 <a:latin typeface="华文楷体" pitchFamily="2" charset="-122"/>
                 <a:ea typeface="华文楷体" pitchFamily="2" charset="-122"/>
               </a:rPr>
-              <a:t>使用：想办法设置到该类里</a:t>
-            </a:r>
-            <a:endParaRPr lang="en-US" altLang="zh-CN" sz="3200" dirty="0" smtClean="0"/>
-          </a:p>
-          <a:p>
-            <a:r>
-              <a:rPr lang="en-US" altLang="zh-CN" sz="3200" dirty="0" err="1" smtClean="0"/>
-              <a:t>FilterSecurityInterceptor</a:t>
+              <a:t>获取：</a:t>
             </a:r>
             <a:endParaRPr lang="en-US" altLang="zh-CN" sz="3200" b="1" dirty="0" smtClean="0">
               <a:solidFill>
@@ -4528,6 +5424,456 @@
           </a:p>
         </p:txBody>
       </p:sp>
+      <p:sp>
+        <p:nvSpPr>
+          <p:cNvPr id="11" name="TextBox 7"/>
+          <p:cNvSpPr txBox="1"/>
+          <p:nvPr/>
+        </p:nvSpPr>
+        <p:spPr>
+          <a:xfrm>
+            <a:off x="683568" y="4584030"/>
+            <a:ext cx="7929618" cy="1077218"/>
+          </a:xfrm>
+          <a:prstGeom prst="rect">
+            <a:avLst/>
+          </a:prstGeom>
+          <a:noFill/>
+        </p:spPr>
+        <p:txBody>
+          <a:bodyPr wrap="square" rtlCol="0">
+            <a:spAutoFit/>
+          </a:bodyPr>
+          <a:lstStyle>
+            <a:defPPr>
+              <a:defRPr lang="zh-CN"/>
+            </a:defPPr>
+            <a:lvl1pPr marL="0" algn="l" defTabSz="914400" rtl="0" eaLnBrk="1" latinLnBrk="0" hangingPunct="1">
+              <a:defRPr sz="1800" kern="1200">
+                <a:solidFill>
+                  <a:schemeClr val="tx1"/>
+                </a:solidFill>
+                <a:latin typeface="+mn-lt"/>
+                <a:ea typeface="+mn-ea"/>
+                <a:cs typeface="+mn-cs"/>
+              </a:defRPr>
+            </a:lvl1pPr>
+            <a:lvl2pPr marL="457200" algn="l" defTabSz="914400" rtl="0" eaLnBrk="1" latinLnBrk="0" hangingPunct="1">
+              <a:defRPr sz="1800" kern="1200">
+                <a:solidFill>
+                  <a:schemeClr val="tx1"/>
+                </a:solidFill>
+                <a:latin typeface="+mn-lt"/>
+                <a:ea typeface="+mn-ea"/>
+                <a:cs typeface="+mn-cs"/>
+              </a:defRPr>
+            </a:lvl2pPr>
+            <a:lvl3pPr marL="914400" algn="l" defTabSz="914400" rtl="0" eaLnBrk="1" latinLnBrk="0" hangingPunct="1">
+              <a:defRPr sz="1800" kern="1200">
+                <a:solidFill>
+                  <a:schemeClr val="tx1"/>
+                </a:solidFill>
+                <a:latin typeface="+mn-lt"/>
+                <a:ea typeface="+mn-ea"/>
+                <a:cs typeface="+mn-cs"/>
+              </a:defRPr>
+            </a:lvl3pPr>
+            <a:lvl4pPr marL="1371600" algn="l" defTabSz="914400" rtl="0" eaLnBrk="1" latinLnBrk="0" hangingPunct="1">
+              <a:defRPr sz="1800" kern="1200">
+                <a:solidFill>
+                  <a:schemeClr val="tx1"/>
+                </a:solidFill>
+                <a:latin typeface="+mn-lt"/>
+                <a:ea typeface="+mn-ea"/>
+                <a:cs typeface="+mn-cs"/>
+              </a:defRPr>
+            </a:lvl4pPr>
+            <a:lvl5pPr marL="1828800" algn="l" defTabSz="914400" rtl="0" eaLnBrk="1" latinLnBrk="0" hangingPunct="1">
+              <a:defRPr sz="1800" kern="1200">
+                <a:solidFill>
+                  <a:schemeClr val="tx1"/>
+                </a:solidFill>
+                <a:latin typeface="+mn-lt"/>
+                <a:ea typeface="+mn-ea"/>
+                <a:cs typeface="+mn-cs"/>
+              </a:defRPr>
+            </a:lvl5pPr>
+            <a:lvl6pPr marL="2286000" algn="l" defTabSz="914400" rtl="0" eaLnBrk="1" latinLnBrk="0" hangingPunct="1">
+              <a:defRPr sz="1800" kern="1200">
+                <a:solidFill>
+                  <a:schemeClr val="tx1"/>
+                </a:solidFill>
+                <a:latin typeface="+mn-lt"/>
+                <a:ea typeface="+mn-ea"/>
+                <a:cs typeface="+mn-cs"/>
+              </a:defRPr>
+            </a:lvl6pPr>
+            <a:lvl7pPr marL="2743200" algn="l" defTabSz="914400" rtl="0" eaLnBrk="1" latinLnBrk="0" hangingPunct="1">
+              <a:defRPr sz="1800" kern="1200">
+                <a:solidFill>
+                  <a:schemeClr val="tx1"/>
+                </a:solidFill>
+                <a:latin typeface="+mn-lt"/>
+                <a:ea typeface="+mn-ea"/>
+                <a:cs typeface="+mn-cs"/>
+              </a:defRPr>
+            </a:lvl7pPr>
+            <a:lvl8pPr marL="3200400" algn="l" defTabSz="914400" rtl="0" eaLnBrk="1" latinLnBrk="0" hangingPunct="1">
+              <a:defRPr sz="1800" kern="1200">
+                <a:solidFill>
+                  <a:schemeClr val="tx1"/>
+                </a:solidFill>
+                <a:latin typeface="+mn-lt"/>
+                <a:ea typeface="+mn-ea"/>
+                <a:cs typeface="+mn-cs"/>
+              </a:defRPr>
+            </a:lvl8pPr>
+            <a:lvl9pPr marL="3657600" algn="l" defTabSz="914400" rtl="0" eaLnBrk="1" latinLnBrk="0" hangingPunct="1">
+              <a:defRPr sz="1800" kern="1200">
+                <a:solidFill>
+                  <a:schemeClr val="tx1"/>
+                </a:solidFill>
+                <a:latin typeface="+mn-lt"/>
+                <a:ea typeface="+mn-ea"/>
+                <a:cs typeface="+mn-cs"/>
+              </a:defRPr>
+            </a:lvl9pPr>
+          </a:lstStyle>
+          <a:p>
+            <a:r>
+              <a:rPr lang="zh-CN" altLang="en-US" sz="3200" b="1" dirty="0" smtClean="0">
+                <a:solidFill>
+                  <a:schemeClr val="tx1">
+                    <a:lumMod val="75000"/>
+                    <a:lumOff val="25000"/>
+                  </a:schemeClr>
+                </a:solidFill>
+                <a:latin typeface="华文楷体" pitchFamily="2" charset="-122"/>
+                <a:ea typeface="华文楷体" pitchFamily="2" charset="-122"/>
+              </a:rPr>
+              <a:t>自己实现这个接口</a:t>
+            </a:r>
+            <a:endParaRPr lang="en-US" altLang="zh-CN" sz="3200" dirty="0" smtClean="0"/>
+          </a:p>
+          <a:p>
+            <a:r>
+              <a:rPr lang="en-US" altLang="zh-CN" sz="3200" dirty="0" err="1" smtClean="0"/>
+              <a:t>FilterInvocationSecurityMetadataSource</a:t>
+            </a:r>
+            <a:endParaRPr lang="en-US" altLang="zh-CN" sz="3200" b="1" dirty="0" smtClean="0">
+              <a:solidFill>
+                <a:schemeClr val="tx1">
+                  <a:lumMod val="75000"/>
+                  <a:lumOff val="25000"/>
+                </a:schemeClr>
+              </a:solidFill>
+              <a:latin typeface="华文楷体" pitchFamily="2" charset="-122"/>
+              <a:ea typeface="华文楷体" pitchFamily="2" charset="-122"/>
+            </a:endParaRPr>
+          </a:p>
+        </p:txBody>
+      </p:sp>
+      <p:sp>
+        <p:nvSpPr>
+          <p:cNvPr id="12" name="TextBox 7"/>
+          <p:cNvSpPr txBox="1"/>
+          <p:nvPr/>
+        </p:nvSpPr>
+        <p:spPr>
+          <a:xfrm>
+            <a:off x="683568" y="5543361"/>
+            <a:ext cx="7929618" cy="584775"/>
+          </a:xfrm>
+          <a:prstGeom prst="rect">
+            <a:avLst/>
+          </a:prstGeom>
+          <a:noFill/>
+        </p:spPr>
+        <p:txBody>
+          <a:bodyPr wrap="square" rtlCol="0">
+            <a:spAutoFit/>
+          </a:bodyPr>
+          <a:lstStyle>
+            <a:defPPr>
+              <a:defRPr lang="zh-CN"/>
+            </a:defPPr>
+            <a:lvl1pPr marL="0" algn="l" defTabSz="914400" rtl="0" eaLnBrk="1" latinLnBrk="0" hangingPunct="1">
+              <a:defRPr sz="1800" kern="1200">
+                <a:solidFill>
+                  <a:schemeClr val="tx1"/>
+                </a:solidFill>
+                <a:latin typeface="+mn-lt"/>
+                <a:ea typeface="+mn-ea"/>
+                <a:cs typeface="+mn-cs"/>
+              </a:defRPr>
+            </a:lvl1pPr>
+            <a:lvl2pPr marL="457200" algn="l" defTabSz="914400" rtl="0" eaLnBrk="1" latinLnBrk="0" hangingPunct="1">
+              <a:defRPr sz="1800" kern="1200">
+                <a:solidFill>
+                  <a:schemeClr val="tx1"/>
+                </a:solidFill>
+                <a:latin typeface="+mn-lt"/>
+                <a:ea typeface="+mn-ea"/>
+                <a:cs typeface="+mn-cs"/>
+              </a:defRPr>
+            </a:lvl2pPr>
+            <a:lvl3pPr marL="914400" algn="l" defTabSz="914400" rtl="0" eaLnBrk="1" latinLnBrk="0" hangingPunct="1">
+              <a:defRPr sz="1800" kern="1200">
+                <a:solidFill>
+                  <a:schemeClr val="tx1"/>
+                </a:solidFill>
+                <a:latin typeface="+mn-lt"/>
+                <a:ea typeface="+mn-ea"/>
+                <a:cs typeface="+mn-cs"/>
+              </a:defRPr>
+            </a:lvl3pPr>
+            <a:lvl4pPr marL="1371600" algn="l" defTabSz="914400" rtl="0" eaLnBrk="1" latinLnBrk="0" hangingPunct="1">
+              <a:defRPr sz="1800" kern="1200">
+                <a:solidFill>
+                  <a:schemeClr val="tx1"/>
+                </a:solidFill>
+                <a:latin typeface="+mn-lt"/>
+                <a:ea typeface="+mn-ea"/>
+                <a:cs typeface="+mn-cs"/>
+              </a:defRPr>
+            </a:lvl4pPr>
+            <a:lvl5pPr marL="1828800" algn="l" defTabSz="914400" rtl="0" eaLnBrk="1" latinLnBrk="0" hangingPunct="1">
+              <a:defRPr sz="1800" kern="1200">
+                <a:solidFill>
+                  <a:schemeClr val="tx1"/>
+                </a:solidFill>
+                <a:latin typeface="+mn-lt"/>
+                <a:ea typeface="+mn-ea"/>
+                <a:cs typeface="+mn-cs"/>
+              </a:defRPr>
+            </a:lvl5pPr>
+            <a:lvl6pPr marL="2286000" algn="l" defTabSz="914400" rtl="0" eaLnBrk="1" latinLnBrk="0" hangingPunct="1">
+              <a:defRPr sz="1800" kern="1200">
+                <a:solidFill>
+                  <a:schemeClr val="tx1"/>
+                </a:solidFill>
+                <a:latin typeface="+mn-lt"/>
+                <a:ea typeface="+mn-ea"/>
+                <a:cs typeface="+mn-cs"/>
+              </a:defRPr>
+            </a:lvl6pPr>
+            <a:lvl7pPr marL="2743200" algn="l" defTabSz="914400" rtl="0" eaLnBrk="1" latinLnBrk="0" hangingPunct="1">
+              <a:defRPr sz="1800" kern="1200">
+                <a:solidFill>
+                  <a:schemeClr val="tx1"/>
+                </a:solidFill>
+                <a:latin typeface="+mn-lt"/>
+                <a:ea typeface="+mn-ea"/>
+                <a:cs typeface="+mn-cs"/>
+              </a:defRPr>
+            </a:lvl7pPr>
+            <a:lvl8pPr marL="3200400" algn="l" defTabSz="914400" rtl="0" eaLnBrk="1" latinLnBrk="0" hangingPunct="1">
+              <a:defRPr sz="1800" kern="1200">
+                <a:solidFill>
+                  <a:schemeClr val="tx1"/>
+                </a:solidFill>
+                <a:latin typeface="+mn-lt"/>
+                <a:ea typeface="+mn-ea"/>
+                <a:cs typeface="+mn-cs"/>
+              </a:defRPr>
+            </a:lvl8pPr>
+            <a:lvl9pPr marL="3657600" algn="l" defTabSz="914400" rtl="0" eaLnBrk="1" latinLnBrk="0" hangingPunct="1">
+              <a:defRPr sz="1800" kern="1200">
+                <a:solidFill>
+                  <a:schemeClr val="tx1"/>
+                </a:solidFill>
+                <a:latin typeface="+mn-lt"/>
+                <a:ea typeface="+mn-ea"/>
+                <a:cs typeface="+mn-cs"/>
+              </a:defRPr>
+            </a:lvl9pPr>
+          </a:lstStyle>
+          <a:p>
+            <a:r>
+              <a:rPr lang="zh-CN" altLang="en-US" sz="3200" b="1" dirty="0" smtClean="0">
+                <a:solidFill>
+                  <a:schemeClr val="tx1">
+                    <a:lumMod val="75000"/>
+                    <a:lumOff val="25000"/>
+                  </a:schemeClr>
+                </a:solidFill>
+                <a:latin typeface="华文楷体" pitchFamily="2" charset="-122"/>
+                <a:ea typeface="华文楷体" pitchFamily="2" charset="-122"/>
+              </a:rPr>
+              <a:t>使用：</a:t>
+            </a:r>
+            <a:endParaRPr lang="en-US" altLang="zh-CN" sz="3200" b="1" dirty="0" smtClean="0">
+              <a:solidFill>
+                <a:schemeClr val="tx1">
+                  <a:lumMod val="75000"/>
+                  <a:lumOff val="25000"/>
+                </a:schemeClr>
+              </a:solidFill>
+              <a:latin typeface="华文楷体" pitchFamily="2" charset="-122"/>
+              <a:ea typeface="华文楷体" pitchFamily="2" charset="-122"/>
+            </a:endParaRPr>
+          </a:p>
+        </p:txBody>
+      </p:sp>
+      <p:sp>
+        <p:nvSpPr>
+          <p:cNvPr id="13" name="TextBox 7"/>
+          <p:cNvSpPr txBox="1"/>
+          <p:nvPr/>
+        </p:nvSpPr>
+        <p:spPr>
+          <a:xfrm>
+            <a:off x="683568" y="6084585"/>
+            <a:ext cx="7929618" cy="584775"/>
+          </a:xfrm>
+          <a:prstGeom prst="rect">
+            <a:avLst/>
+          </a:prstGeom>
+          <a:noFill/>
+        </p:spPr>
+        <p:txBody>
+          <a:bodyPr wrap="square" rtlCol="0">
+            <a:spAutoFit/>
+          </a:bodyPr>
+          <a:lstStyle>
+            <a:defPPr>
+              <a:defRPr lang="zh-CN"/>
+            </a:defPPr>
+            <a:lvl1pPr marL="0" algn="l" defTabSz="914400" rtl="0" eaLnBrk="1" latinLnBrk="0" hangingPunct="1">
+              <a:defRPr sz="1800" kern="1200">
+                <a:solidFill>
+                  <a:schemeClr val="tx1"/>
+                </a:solidFill>
+                <a:latin typeface="+mn-lt"/>
+                <a:ea typeface="+mn-ea"/>
+                <a:cs typeface="+mn-cs"/>
+              </a:defRPr>
+            </a:lvl1pPr>
+            <a:lvl2pPr marL="457200" algn="l" defTabSz="914400" rtl="0" eaLnBrk="1" latinLnBrk="0" hangingPunct="1">
+              <a:defRPr sz="1800" kern="1200">
+                <a:solidFill>
+                  <a:schemeClr val="tx1"/>
+                </a:solidFill>
+                <a:latin typeface="+mn-lt"/>
+                <a:ea typeface="+mn-ea"/>
+                <a:cs typeface="+mn-cs"/>
+              </a:defRPr>
+            </a:lvl2pPr>
+            <a:lvl3pPr marL="914400" algn="l" defTabSz="914400" rtl="0" eaLnBrk="1" latinLnBrk="0" hangingPunct="1">
+              <a:defRPr sz="1800" kern="1200">
+                <a:solidFill>
+                  <a:schemeClr val="tx1"/>
+                </a:solidFill>
+                <a:latin typeface="+mn-lt"/>
+                <a:ea typeface="+mn-ea"/>
+                <a:cs typeface="+mn-cs"/>
+              </a:defRPr>
+            </a:lvl3pPr>
+            <a:lvl4pPr marL="1371600" algn="l" defTabSz="914400" rtl="0" eaLnBrk="1" latinLnBrk="0" hangingPunct="1">
+              <a:defRPr sz="1800" kern="1200">
+                <a:solidFill>
+                  <a:schemeClr val="tx1"/>
+                </a:solidFill>
+                <a:latin typeface="+mn-lt"/>
+                <a:ea typeface="+mn-ea"/>
+                <a:cs typeface="+mn-cs"/>
+              </a:defRPr>
+            </a:lvl4pPr>
+            <a:lvl5pPr marL="1828800" algn="l" defTabSz="914400" rtl="0" eaLnBrk="1" latinLnBrk="0" hangingPunct="1">
+              <a:defRPr sz="1800" kern="1200">
+                <a:solidFill>
+                  <a:schemeClr val="tx1"/>
+                </a:solidFill>
+                <a:latin typeface="+mn-lt"/>
+                <a:ea typeface="+mn-ea"/>
+                <a:cs typeface="+mn-cs"/>
+              </a:defRPr>
+            </a:lvl5pPr>
+            <a:lvl6pPr marL="2286000" algn="l" defTabSz="914400" rtl="0" eaLnBrk="1" latinLnBrk="0" hangingPunct="1">
+              <a:defRPr sz="1800" kern="1200">
+                <a:solidFill>
+                  <a:schemeClr val="tx1"/>
+                </a:solidFill>
+                <a:latin typeface="+mn-lt"/>
+                <a:ea typeface="+mn-ea"/>
+                <a:cs typeface="+mn-cs"/>
+              </a:defRPr>
+            </a:lvl6pPr>
+            <a:lvl7pPr marL="2743200" algn="l" defTabSz="914400" rtl="0" eaLnBrk="1" latinLnBrk="0" hangingPunct="1">
+              <a:defRPr sz="1800" kern="1200">
+                <a:solidFill>
+                  <a:schemeClr val="tx1"/>
+                </a:solidFill>
+                <a:latin typeface="+mn-lt"/>
+                <a:ea typeface="+mn-ea"/>
+                <a:cs typeface="+mn-cs"/>
+              </a:defRPr>
+            </a:lvl7pPr>
+            <a:lvl8pPr marL="3200400" algn="l" defTabSz="914400" rtl="0" eaLnBrk="1" latinLnBrk="0" hangingPunct="1">
+              <a:defRPr sz="1800" kern="1200">
+                <a:solidFill>
+                  <a:schemeClr val="tx1"/>
+                </a:solidFill>
+                <a:latin typeface="+mn-lt"/>
+                <a:ea typeface="+mn-ea"/>
+                <a:cs typeface="+mn-cs"/>
+              </a:defRPr>
+            </a:lvl8pPr>
+            <a:lvl9pPr marL="3657600" algn="l" defTabSz="914400" rtl="0" eaLnBrk="1" latinLnBrk="0" hangingPunct="1">
+              <a:defRPr sz="1800" kern="1200">
+                <a:solidFill>
+                  <a:schemeClr val="tx1"/>
+                </a:solidFill>
+                <a:latin typeface="+mn-lt"/>
+                <a:ea typeface="+mn-ea"/>
+                <a:cs typeface="+mn-cs"/>
+              </a:defRPr>
+            </a:lvl9pPr>
+          </a:lstStyle>
+          <a:p>
+            <a:r>
+              <a:rPr lang="zh-CN" altLang="en-US" sz="3200" b="1" dirty="0" smtClean="0">
+                <a:solidFill>
+                  <a:schemeClr val="tx1">
+                    <a:lumMod val="75000"/>
+                    <a:lumOff val="25000"/>
+                  </a:schemeClr>
+                </a:solidFill>
+                <a:latin typeface="华文楷体" pitchFamily="2" charset="-122"/>
+                <a:ea typeface="华文楷体" pitchFamily="2" charset="-122"/>
+              </a:rPr>
+              <a:t>想办法设置到</a:t>
+            </a:r>
+            <a:r>
+              <a:rPr lang="en-US" altLang="zh-CN" sz="3200" dirty="0" err="1" smtClean="0"/>
+              <a:t>FilterSecurityInterceptor</a:t>
+            </a:r>
+            <a:r>
+              <a:rPr lang="zh-CN" altLang="en-US" sz="3200" b="1" dirty="0" smtClean="0">
+                <a:solidFill>
+                  <a:schemeClr val="tx1">
+                    <a:lumMod val="75000"/>
+                    <a:lumOff val="25000"/>
+                  </a:schemeClr>
+                </a:solidFill>
+                <a:latin typeface="华文楷体" pitchFamily="2" charset="-122"/>
+                <a:ea typeface="华文楷体" pitchFamily="2" charset="-122"/>
+              </a:rPr>
+              <a:t>类里</a:t>
+            </a:r>
+            <a:endParaRPr lang="en-US" altLang="zh-CN" sz="3200" b="1" dirty="0" smtClean="0">
+              <a:solidFill>
+                <a:schemeClr val="tx1">
+                  <a:lumMod val="75000"/>
+                  <a:lumOff val="25000"/>
+                </a:schemeClr>
+              </a:solidFill>
+              <a:latin typeface="华文楷体" pitchFamily="2" charset="-122"/>
+              <a:ea typeface="华文楷体" pitchFamily="2" charset="-122"/>
+            </a:endParaRPr>
+          </a:p>
+        </p:txBody>
+      </p:sp>
     </p:spTree>
   </p:cSld>
   <p:clrMapOvr>
@@ -4536,9 +5882,314 @@
   <p:timing>
     <p:tnLst>
       <p:par>
-        <p:cTn id="1" dur="indefinite" restart="never" nodeType="tmRoot"/>
+        <p:cTn id="1" dur="indefinite" restart="never" nodeType="tmRoot">
+          <p:childTnLst>
+            <p:seq concurrent="1" nextAc="seek">
+              <p:cTn id="2" dur="indefinite" nodeType="mainSeq">
+                <p:childTnLst>
+                  <p:par>
+                    <p:cTn id="3" fill="hold">
+                      <p:stCondLst>
+                        <p:cond delay="indefinite"/>
+                      </p:stCondLst>
+                      <p:childTnLst>
+                        <p:par>
+                          <p:cTn id="4" fill="hold">
+                            <p:stCondLst>
+                              <p:cond delay="0"/>
+                            </p:stCondLst>
+                            <p:childTnLst>
+                              <p:par>
+                                <p:cTn id="5" presetID="22" presetClass="entr" presetSubtype="4" fill="hold" grpId="0" nodeType="clickEffect">
+                                  <p:stCondLst>
+                                    <p:cond delay="0"/>
+                                  </p:stCondLst>
+                                  <p:childTnLst>
+                                    <p:set>
+                                      <p:cBhvr>
+                                        <p:cTn id="6" dur="1" fill="hold">
+                                          <p:stCondLst>
+                                            <p:cond delay="0"/>
+                                          </p:stCondLst>
+                                        </p:cTn>
+                                        <p:tgtEl>
+                                          <p:spTgt spid="4">
+                                            <p:txEl>
+                                              <p:pRg st="0" end="0"/>
+                                            </p:txEl>
+                                          </p:spTgt>
+                                        </p:tgtEl>
+                                        <p:attrNameLst>
+                                          <p:attrName>style.visibility</p:attrName>
+                                        </p:attrNameLst>
+                                      </p:cBhvr>
+                                      <p:to>
+                                        <p:strVal val="visible"/>
+                                      </p:to>
+                                    </p:set>
+                                    <p:animEffect transition="in" filter="wipe(down)">
+                                      <p:cBhvr>
+                                        <p:cTn id="7" dur="500"/>
+                                        <p:tgtEl>
+                                          <p:spTgt spid="4">
+                                            <p:txEl>
+                                              <p:pRg st="0" end="0"/>
+                                            </p:txEl>
+                                          </p:spTgt>
+                                        </p:tgtEl>
+                                      </p:cBhvr>
+                                    </p:animEffect>
+                                  </p:childTnLst>
+                                </p:cTn>
+                              </p:par>
+                              <p:par>
+                                <p:cTn id="8" presetID="22" presetClass="entr" presetSubtype="4" fill="hold" grpId="0" nodeType="withEffect">
+                                  <p:stCondLst>
+                                    <p:cond delay="0"/>
+                                  </p:stCondLst>
+                                  <p:childTnLst>
+                                    <p:set>
+                                      <p:cBhvr>
+                                        <p:cTn id="9" dur="1" fill="hold">
+                                          <p:stCondLst>
+                                            <p:cond delay="0"/>
+                                          </p:stCondLst>
+                                        </p:cTn>
+                                        <p:tgtEl>
+                                          <p:spTgt spid="8">
+                                            <p:txEl>
+                                              <p:pRg st="0" end="0"/>
+                                            </p:txEl>
+                                          </p:spTgt>
+                                        </p:tgtEl>
+                                        <p:attrNameLst>
+                                          <p:attrName>style.visibility</p:attrName>
+                                        </p:attrNameLst>
+                                      </p:cBhvr>
+                                      <p:to>
+                                        <p:strVal val="visible"/>
+                                      </p:to>
+                                    </p:set>
+                                    <p:animEffect transition="in" filter="wipe(down)">
+                                      <p:cBhvr>
+                                        <p:cTn id="10" dur="500"/>
+                                        <p:tgtEl>
+                                          <p:spTgt spid="8">
+                                            <p:txEl>
+                                              <p:pRg st="0" end="0"/>
+                                            </p:txEl>
+                                          </p:spTgt>
+                                        </p:tgtEl>
+                                      </p:cBhvr>
+                                    </p:animEffect>
+                                  </p:childTnLst>
+                                </p:cTn>
+                              </p:par>
+                              <p:par>
+                                <p:cTn id="11" presetID="22" presetClass="entr" presetSubtype="4" fill="hold" grpId="0" nodeType="withEffect">
+                                  <p:stCondLst>
+                                    <p:cond delay="0"/>
+                                  </p:stCondLst>
+                                  <p:childTnLst>
+                                    <p:set>
+                                      <p:cBhvr>
+                                        <p:cTn id="12" dur="1" fill="hold">
+                                          <p:stCondLst>
+                                            <p:cond delay="0"/>
+                                          </p:stCondLst>
+                                        </p:cTn>
+                                        <p:tgtEl>
+                                          <p:spTgt spid="8">
+                                            <p:txEl>
+                                              <p:pRg st="1" end="1"/>
+                                            </p:txEl>
+                                          </p:spTgt>
+                                        </p:tgtEl>
+                                        <p:attrNameLst>
+                                          <p:attrName>style.visibility</p:attrName>
+                                        </p:attrNameLst>
+                                      </p:cBhvr>
+                                      <p:to>
+                                        <p:strVal val="visible"/>
+                                      </p:to>
+                                    </p:set>
+                                    <p:animEffect transition="in" filter="wipe(down)">
+                                      <p:cBhvr>
+                                        <p:cTn id="13" dur="500"/>
+                                        <p:tgtEl>
+                                          <p:spTgt spid="8">
+                                            <p:txEl>
+                                              <p:pRg st="1" end="1"/>
+                                            </p:txEl>
+                                          </p:spTgt>
+                                        </p:tgtEl>
+                                      </p:cBhvr>
+                                    </p:animEffect>
+                                  </p:childTnLst>
+                                </p:cTn>
+                              </p:par>
+                              <p:par>
+                                <p:cTn id="14" presetID="22" presetClass="entr" presetSubtype="4" fill="hold" grpId="0" nodeType="withEffect">
+                                  <p:stCondLst>
+                                    <p:cond delay="0"/>
+                                  </p:stCondLst>
+                                  <p:childTnLst>
+                                    <p:set>
+                                      <p:cBhvr>
+                                        <p:cTn id="15" dur="1" fill="hold">
+                                          <p:stCondLst>
+                                            <p:cond delay="0"/>
+                                          </p:stCondLst>
+                                        </p:cTn>
+                                        <p:tgtEl>
+                                          <p:spTgt spid="11">
+                                            <p:txEl>
+                                              <p:pRg st="0" end="0"/>
+                                            </p:txEl>
+                                          </p:spTgt>
+                                        </p:tgtEl>
+                                        <p:attrNameLst>
+                                          <p:attrName>style.visibility</p:attrName>
+                                        </p:attrNameLst>
+                                      </p:cBhvr>
+                                      <p:to>
+                                        <p:strVal val="visible"/>
+                                      </p:to>
+                                    </p:set>
+                                    <p:animEffect transition="in" filter="wipe(down)">
+                                      <p:cBhvr>
+                                        <p:cTn id="16" dur="500"/>
+                                        <p:tgtEl>
+                                          <p:spTgt spid="11">
+                                            <p:txEl>
+                                              <p:pRg st="0" end="0"/>
+                                            </p:txEl>
+                                          </p:spTgt>
+                                        </p:tgtEl>
+                                      </p:cBhvr>
+                                    </p:animEffect>
+                                  </p:childTnLst>
+                                </p:cTn>
+                              </p:par>
+                              <p:par>
+                                <p:cTn id="17" presetID="22" presetClass="entr" presetSubtype="4" fill="hold" grpId="0" nodeType="withEffect">
+                                  <p:stCondLst>
+                                    <p:cond delay="0"/>
+                                  </p:stCondLst>
+                                  <p:childTnLst>
+                                    <p:set>
+                                      <p:cBhvr>
+                                        <p:cTn id="18" dur="1" fill="hold">
+                                          <p:stCondLst>
+                                            <p:cond delay="0"/>
+                                          </p:stCondLst>
+                                        </p:cTn>
+                                        <p:tgtEl>
+                                          <p:spTgt spid="11">
+                                            <p:txEl>
+                                              <p:pRg st="1" end="1"/>
+                                            </p:txEl>
+                                          </p:spTgt>
+                                        </p:tgtEl>
+                                        <p:attrNameLst>
+                                          <p:attrName>style.visibility</p:attrName>
+                                        </p:attrNameLst>
+                                      </p:cBhvr>
+                                      <p:to>
+                                        <p:strVal val="visible"/>
+                                      </p:to>
+                                    </p:set>
+                                    <p:animEffect transition="in" filter="wipe(down)">
+                                      <p:cBhvr>
+                                        <p:cTn id="19" dur="500"/>
+                                        <p:tgtEl>
+                                          <p:spTgt spid="11">
+                                            <p:txEl>
+                                              <p:pRg st="1" end="1"/>
+                                            </p:txEl>
+                                          </p:spTgt>
+                                        </p:tgtEl>
+                                      </p:cBhvr>
+                                    </p:animEffect>
+                                  </p:childTnLst>
+                                </p:cTn>
+                              </p:par>
+                              <p:par>
+                                <p:cTn id="20" presetID="22" presetClass="entr" presetSubtype="4" fill="hold" grpId="0" nodeType="withEffect">
+                                  <p:stCondLst>
+                                    <p:cond delay="0"/>
+                                  </p:stCondLst>
+                                  <p:childTnLst>
+                                    <p:set>
+                                      <p:cBhvr>
+                                        <p:cTn id="21" dur="1" fill="hold">
+                                          <p:stCondLst>
+                                            <p:cond delay="0"/>
+                                          </p:stCondLst>
+                                        </p:cTn>
+                                        <p:tgtEl>
+                                          <p:spTgt spid="13">
+                                            <p:txEl>
+                                              <p:pRg st="0" end="0"/>
+                                            </p:txEl>
+                                          </p:spTgt>
+                                        </p:tgtEl>
+                                        <p:attrNameLst>
+                                          <p:attrName>style.visibility</p:attrName>
+                                        </p:attrNameLst>
+                                      </p:cBhvr>
+                                      <p:to>
+                                        <p:strVal val="visible"/>
+                                      </p:to>
+                                    </p:set>
+                                    <p:animEffect transition="in" filter="wipe(down)">
+                                      <p:cBhvr>
+                                        <p:cTn id="22" dur="500"/>
+                                        <p:tgtEl>
+                                          <p:spTgt spid="13">
+                                            <p:txEl>
+                                              <p:pRg st="0" end="0"/>
+                                            </p:txEl>
+                                          </p:spTgt>
+                                        </p:tgtEl>
+                                      </p:cBhvr>
+                                    </p:animEffect>
+                                  </p:childTnLst>
+                                </p:cTn>
+                              </p:par>
+                            </p:childTnLst>
+                          </p:cTn>
+                        </p:par>
+                      </p:childTnLst>
+                    </p:cTn>
+                  </p:par>
+                </p:childTnLst>
+              </p:cTn>
+              <p:prevCondLst>
+                <p:cond evt="onPrev" delay="0">
+                  <p:tgtEl>
+                    <p:sldTgt/>
+                  </p:tgtEl>
+                </p:cond>
+              </p:prevCondLst>
+              <p:nextCondLst>
+                <p:cond evt="onNext" delay="0">
+                  <p:tgtEl>
+                    <p:sldTgt/>
+                  </p:tgtEl>
+                </p:cond>
+              </p:nextCondLst>
+            </p:seq>
+          </p:childTnLst>
+        </p:cTn>
       </p:par>
     </p:tnLst>
+    <p:bldLst>
+      <p:bldP spid="4" grpId="0" build="allAtOnce"/>
+      <p:bldP spid="8" grpId="0" build="allAtOnce"/>
+      <p:bldP spid="11" grpId="0" build="allAtOnce"/>
+      <p:bldP spid="13" grpId="0" build="allAtOnce"/>
+    </p:bldLst>
   </p:timing>
 </p:sld>
 </file>
@@ -4569,7 +6220,7 @@
         <p:spPr>
           <a:xfrm>
             <a:off x="571472" y="571480"/>
-            <a:ext cx="8215370" cy="707886"/>
+            <a:ext cx="8143932" cy="707886"/>
           </a:xfrm>
           <a:prstGeom prst="rect">
             <a:avLst/>
@@ -4593,7 +6244,7 @@
                 <a:latin typeface="华文楷体" pitchFamily="2" charset="-122"/>
                 <a:ea typeface="华文楷体" pitchFamily="2" charset="-122"/>
               </a:rPr>
-              <a:t>配置属性</a:t>
+              <a:t>加载时机</a:t>
             </a:r>
             <a:r>
               <a:rPr lang="en-US" altLang="zh-CN" sz="4000" b="1" dirty="0" smtClean="0">
@@ -4606,33 +6257,7 @@
                 <a:latin typeface="华文楷体" pitchFamily="2" charset="-122"/>
                 <a:ea typeface="华文楷体" pitchFamily="2" charset="-122"/>
               </a:rPr>
-              <a:t>(</a:t>
-            </a:r>
-            <a:r>
-              <a:rPr lang="en-US" altLang="zh-CN" sz="4000" b="1" dirty="0" err="1" smtClean="0">
-                <a:solidFill>
-                  <a:schemeClr val="tx1">
-                    <a:lumMod val="75000"/>
-                    <a:lumOff val="25000"/>
-                  </a:schemeClr>
-                </a:solidFill>
-                <a:latin typeface="华文楷体" pitchFamily="2" charset="-122"/>
-                <a:ea typeface="华文楷体" pitchFamily="2" charset="-122"/>
-              </a:rPr>
-              <a:t>ConfigAttribute</a:t>
-            </a:r>
-            <a:r>
-              <a:rPr lang="en-US" altLang="zh-CN" sz="4000" b="1" dirty="0" smtClean="0">
-                <a:solidFill>
-                  <a:schemeClr val="tx1">
-                    <a:lumMod val="75000"/>
-                    <a:lumOff val="25000"/>
-                  </a:schemeClr>
-                </a:solidFill>
-                <a:latin typeface="华文楷体" pitchFamily="2" charset="-122"/>
-                <a:ea typeface="华文楷体" pitchFamily="2" charset="-122"/>
-              </a:rPr>
-              <a:t>)</a:t>
+              <a:t>(When to load)</a:t>
             </a:r>
             <a:endParaRPr lang="zh-CN" altLang="en-US" sz="4000" b="1" dirty="0">
               <a:solidFill>
@@ -4649,14 +6274,14 @@
       </p:sp>
       <p:sp>
         <p:nvSpPr>
-          <p:cNvPr id="7" name="TextBox 6"/>
+          <p:cNvPr id="6" name="TextBox 5"/>
           <p:cNvSpPr txBox="1"/>
           <p:nvPr/>
         </p:nvSpPr>
         <p:spPr>
           <a:xfrm>
             <a:off x="714348" y="1500174"/>
-            <a:ext cx="8001056" cy="1077218"/>
+            <a:ext cx="7929618" cy="1569660"/>
           </a:xfrm>
           <a:prstGeom prst="rect">
             <a:avLst/>
@@ -4680,33 +6305,7 @@
                 <a:latin typeface="华文楷体" pitchFamily="2" charset="-122"/>
                 <a:ea typeface="华文楷体" pitchFamily="2" charset="-122"/>
               </a:rPr>
-              <a:t>表示访问一个</a:t>
-            </a:r>
-            <a:r>
-              <a:rPr lang="en-US" altLang="zh-CN" sz="3200" b="1" dirty="0" err="1" smtClean="0">
-                <a:solidFill>
-                  <a:schemeClr val="tx1">
-                    <a:lumMod val="75000"/>
-                    <a:lumOff val="25000"/>
-                  </a:schemeClr>
-                </a:solidFill>
-                <a:latin typeface="华文楷体" pitchFamily="2" charset="-122"/>
-                <a:ea typeface="华文楷体" pitchFamily="2" charset="-122"/>
-              </a:rPr>
-              <a:t>url</a:t>
-            </a:r>
-            <a:r>
-              <a:rPr lang="zh-CN" altLang="en-US" sz="3200" b="1" dirty="0" smtClean="0">
-                <a:solidFill>
-                  <a:schemeClr val="tx1">
-                    <a:lumMod val="75000"/>
-                    <a:lumOff val="25000"/>
-                  </a:schemeClr>
-                </a:solidFill>
-                <a:latin typeface="华文楷体" pitchFamily="2" charset="-122"/>
-                <a:ea typeface="华文楷体" pitchFamily="2" charset="-122"/>
-              </a:rPr>
-              <a:t>需要具备的某种资格，可以是角色，权限，或任何其它形式</a:t>
+              <a:t>安全元数据在系统启动时进行加载计算，且后面不会再更新。无论是写死在代理里，还是从数据库中查询</a:t>
             </a:r>
             <a:endParaRPr lang="en-US" altLang="zh-CN" sz="3200" b="1" dirty="0" smtClean="0">
               <a:solidFill>
@@ -4721,6 +6320,280 @@
           </a:p>
         </p:txBody>
       </p:sp>
+      <p:sp>
+        <p:nvSpPr>
+          <p:cNvPr id="4" name="TextBox 3"/>
+          <p:cNvSpPr txBox="1"/>
+          <p:nvPr/>
+        </p:nvSpPr>
+        <p:spPr>
+          <a:xfrm>
+            <a:off x="714348" y="3216662"/>
+            <a:ext cx="7929618" cy="1077218"/>
+          </a:xfrm>
+          <a:prstGeom prst="rect">
+            <a:avLst/>
+          </a:prstGeom>
+          <a:noFill/>
+        </p:spPr>
+        <p:txBody>
+          <a:bodyPr wrap="square" rtlCol="0">
+            <a:spAutoFit/>
+          </a:bodyPr>
+          <a:lstStyle/>
+          <a:p>
+            <a:r>
+              <a:rPr lang="zh-CN" altLang="en-US" sz="3200" b="1" dirty="0" smtClean="0">
+                <a:solidFill>
+                  <a:schemeClr val="tx1">
+                    <a:lumMod val="75000"/>
+                    <a:lumOff val="25000"/>
+                  </a:schemeClr>
+                </a:solidFill>
+                <a:latin typeface="华文楷体" pitchFamily="2" charset="-122"/>
+                <a:ea typeface="华文楷体" pitchFamily="2" charset="-122"/>
+              </a:rPr>
+              <a:t>安全元数据不保存，任何时候需要时，都从数据库</a:t>
+            </a:r>
+            <a:r>
+              <a:rPr lang="en-US" altLang="zh-CN" sz="3200" b="1" dirty="0" smtClean="0">
+                <a:solidFill>
+                  <a:schemeClr val="tx1">
+                    <a:lumMod val="75000"/>
+                    <a:lumOff val="25000"/>
+                  </a:schemeClr>
+                </a:solidFill>
+                <a:latin typeface="华文楷体" pitchFamily="2" charset="-122"/>
+                <a:ea typeface="华文楷体" pitchFamily="2" charset="-122"/>
+              </a:rPr>
+              <a:t>/</a:t>
+            </a:r>
+            <a:r>
+              <a:rPr lang="zh-CN" altLang="en-US" sz="3200" b="1" dirty="0" smtClean="0">
+                <a:solidFill>
+                  <a:schemeClr val="tx1">
+                    <a:lumMod val="75000"/>
+                    <a:lumOff val="25000"/>
+                  </a:schemeClr>
+                </a:solidFill>
+                <a:latin typeface="华文楷体" pitchFamily="2" charset="-122"/>
+                <a:ea typeface="华文楷体" pitchFamily="2" charset="-122"/>
+              </a:rPr>
+              <a:t>缓存查。</a:t>
+            </a:r>
+            <a:endParaRPr lang="en-US" altLang="zh-CN" sz="3200" b="1" dirty="0" smtClean="0">
+              <a:solidFill>
+                <a:schemeClr val="tx1">
+                  <a:lumMod val="75000"/>
+                  <a:lumOff val="25000"/>
+                </a:schemeClr>
+              </a:solidFill>
+              <a:latin typeface="华文楷体" pitchFamily="2" charset="-122"/>
+              <a:ea typeface="华文楷体" pitchFamily="2" charset="-122"/>
+            </a:endParaRPr>
+          </a:p>
+        </p:txBody>
+      </p:sp>
+      <p:sp>
+        <p:nvSpPr>
+          <p:cNvPr id="7" name="TextBox 6"/>
+          <p:cNvSpPr txBox="1"/>
+          <p:nvPr/>
+        </p:nvSpPr>
+        <p:spPr>
+          <a:xfrm>
+            <a:off x="714348" y="4352046"/>
+            <a:ext cx="7929618" cy="1077218"/>
+          </a:xfrm>
+          <a:prstGeom prst="rect">
+            <a:avLst/>
+          </a:prstGeom>
+          <a:noFill/>
+        </p:spPr>
+        <p:txBody>
+          <a:bodyPr wrap="square" rtlCol="0">
+            <a:spAutoFit/>
+          </a:bodyPr>
+          <a:lstStyle/>
+          <a:p>
+            <a:r>
+              <a:rPr lang="zh-CN" altLang="en-US" sz="3200" b="1" dirty="0" smtClean="0">
+                <a:solidFill>
+                  <a:schemeClr val="tx1">
+                    <a:lumMod val="75000"/>
+                    <a:lumOff val="25000"/>
+                  </a:schemeClr>
+                </a:solidFill>
+                <a:latin typeface="华文楷体" pitchFamily="2" charset="-122"/>
+                <a:ea typeface="华文楷体" pitchFamily="2" charset="-122"/>
+              </a:rPr>
+              <a:t>修改了安全元数据后，人工触发更新。更新缓存</a:t>
+            </a:r>
+            <a:r>
+              <a:rPr lang="en-US" altLang="zh-CN" sz="3200" b="1" dirty="0" smtClean="0">
+                <a:solidFill>
+                  <a:schemeClr val="tx1">
+                    <a:lumMod val="75000"/>
+                    <a:lumOff val="25000"/>
+                  </a:schemeClr>
+                </a:solidFill>
+                <a:latin typeface="华文楷体" pitchFamily="2" charset="-122"/>
+                <a:ea typeface="华文楷体" pitchFamily="2" charset="-122"/>
+              </a:rPr>
+              <a:t>/</a:t>
+            </a:r>
+            <a:r>
+              <a:rPr lang="zh-CN" altLang="en-US" sz="3200" b="1" dirty="0" smtClean="0">
+                <a:solidFill>
+                  <a:schemeClr val="tx1">
+                    <a:lumMod val="75000"/>
+                    <a:lumOff val="25000"/>
+                  </a:schemeClr>
+                </a:solidFill>
+                <a:latin typeface="华文楷体" pitchFamily="2" charset="-122"/>
+                <a:ea typeface="华文楷体" pitchFamily="2" charset="-122"/>
+              </a:rPr>
+              <a:t>容器中的</a:t>
+            </a:r>
+            <a:r>
+              <a:rPr lang="en-US" altLang="zh-CN" sz="3200" b="1" dirty="0" smtClean="0">
+                <a:solidFill>
+                  <a:schemeClr val="tx1">
+                    <a:lumMod val="75000"/>
+                    <a:lumOff val="25000"/>
+                  </a:schemeClr>
+                </a:solidFill>
+                <a:latin typeface="华文楷体" pitchFamily="2" charset="-122"/>
+                <a:ea typeface="华文楷体" pitchFamily="2" charset="-122"/>
+              </a:rPr>
+              <a:t>Bean</a:t>
+            </a:r>
+            <a:r>
+              <a:rPr lang="zh-CN" altLang="en-US" sz="3200" b="1" dirty="0" smtClean="0">
+                <a:solidFill>
+                  <a:schemeClr val="tx1">
+                    <a:lumMod val="75000"/>
+                    <a:lumOff val="25000"/>
+                  </a:schemeClr>
+                </a:solidFill>
+                <a:latin typeface="华文楷体" pitchFamily="2" charset="-122"/>
+                <a:ea typeface="华文楷体" pitchFamily="2" charset="-122"/>
+              </a:rPr>
+              <a:t>。</a:t>
+            </a:r>
+            <a:endParaRPr lang="en-US" altLang="zh-CN" sz="3200" b="1" dirty="0" smtClean="0">
+              <a:solidFill>
+                <a:schemeClr val="tx1">
+                  <a:lumMod val="75000"/>
+                  <a:lumOff val="25000"/>
+                </a:schemeClr>
+              </a:solidFill>
+              <a:latin typeface="华文楷体" pitchFamily="2" charset="-122"/>
+              <a:ea typeface="华文楷体" pitchFamily="2" charset="-122"/>
+            </a:endParaRPr>
+          </a:p>
+        </p:txBody>
+      </p:sp>
+      <p:sp>
+        <p:nvSpPr>
+          <p:cNvPr id="8" name="TextBox 7"/>
+          <p:cNvSpPr txBox="1"/>
+          <p:nvPr/>
+        </p:nvSpPr>
+        <p:spPr>
+          <a:xfrm>
+            <a:off x="714348" y="5495054"/>
+            <a:ext cx="7929618" cy="1077218"/>
+          </a:xfrm>
+          <a:prstGeom prst="rect">
+            <a:avLst/>
+          </a:prstGeom>
+          <a:noFill/>
+        </p:spPr>
+        <p:txBody>
+          <a:bodyPr wrap="square" rtlCol="0">
+            <a:spAutoFit/>
+          </a:bodyPr>
+          <a:lstStyle/>
+          <a:p>
+            <a:r>
+              <a:rPr lang="zh-CN" altLang="en-US" sz="3200" b="1" dirty="0" smtClean="0">
+                <a:solidFill>
+                  <a:schemeClr val="tx1">
+                    <a:lumMod val="75000"/>
+                    <a:lumOff val="25000"/>
+                  </a:schemeClr>
+                </a:solidFill>
+                <a:latin typeface="华文楷体" pitchFamily="2" charset="-122"/>
+                <a:ea typeface="华文楷体" pitchFamily="2" charset="-122"/>
+              </a:rPr>
+              <a:t>修改了安全元数据后，由定时任务检测到后并负责更新。更新缓存</a:t>
+            </a:r>
+            <a:r>
+              <a:rPr lang="en-US" altLang="zh-CN" sz="3200" b="1" dirty="0" smtClean="0">
+                <a:solidFill>
+                  <a:schemeClr val="tx1">
+                    <a:lumMod val="75000"/>
+                    <a:lumOff val="25000"/>
+                  </a:schemeClr>
+                </a:solidFill>
+                <a:latin typeface="华文楷体" pitchFamily="2" charset="-122"/>
+                <a:ea typeface="华文楷体" pitchFamily="2" charset="-122"/>
+              </a:rPr>
+              <a:t>/</a:t>
+            </a:r>
+            <a:r>
+              <a:rPr lang="zh-CN" altLang="en-US" sz="3200" b="1" dirty="0" smtClean="0">
+                <a:solidFill>
+                  <a:schemeClr val="tx1">
+                    <a:lumMod val="75000"/>
+                    <a:lumOff val="25000"/>
+                  </a:schemeClr>
+                </a:solidFill>
+                <a:latin typeface="华文楷体" pitchFamily="2" charset="-122"/>
+                <a:ea typeface="华文楷体" pitchFamily="2" charset="-122"/>
+              </a:rPr>
+              <a:t>容器中的</a:t>
+            </a:r>
+            <a:r>
+              <a:rPr lang="en-US" altLang="zh-CN" sz="3200" b="1" dirty="0" smtClean="0">
+                <a:solidFill>
+                  <a:schemeClr val="tx1">
+                    <a:lumMod val="75000"/>
+                    <a:lumOff val="25000"/>
+                  </a:schemeClr>
+                </a:solidFill>
+                <a:latin typeface="华文楷体" pitchFamily="2" charset="-122"/>
+                <a:ea typeface="华文楷体" pitchFamily="2" charset="-122"/>
+              </a:rPr>
+              <a:t>Bean</a:t>
+            </a:r>
+            <a:r>
+              <a:rPr lang="zh-CN" altLang="en-US" sz="3200" b="1" dirty="0" smtClean="0">
+                <a:solidFill>
+                  <a:schemeClr val="tx1">
+                    <a:lumMod val="75000"/>
+                    <a:lumOff val="25000"/>
+                  </a:schemeClr>
+                </a:solidFill>
+                <a:latin typeface="华文楷体" pitchFamily="2" charset="-122"/>
+                <a:ea typeface="华文楷体" pitchFamily="2" charset="-122"/>
+              </a:rPr>
+              <a:t>。</a:t>
+            </a:r>
+            <a:endParaRPr lang="en-US" altLang="zh-CN" sz="3200" b="1" dirty="0" smtClean="0">
+              <a:solidFill>
+                <a:schemeClr val="tx1">
+                  <a:lumMod val="75000"/>
+                  <a:lumOff val="25000"/>
+                </a:schemeClr>
+              </a:solidFill>
+              <a:latin typeface="华文楷体" pitchFamily="2" charset="-122"/>
+              <a:ea typeface="华文楷体" pitchFamily="2" charset="-122"/>
+            </a:endParaRPr>
+          </a:p>
+        </p:txBody>
+      </p:sp>
     </p:spTree>
   </p:cSld>
   <p:clrMapOvr>
@@ -4729,9 +6602,220 @@
   <p:timing>
     <p:tnLst>
       <p:par>
-        <p:cTn id="1" dur="indefinite" restart="never" nodeType="tmRoot"/>
+        <p:cTn id="1" dur="indefinite" restart="never" nodeType="tmRoot">
+          <p:childTnLst>
+            <p:seq concurrent="1" nextAc="seek">
+              <p:cTn id="2" dur="indefinite" nodeType="mainSeq">
+                <p:childTnLst>
+                  <p:par>
+                    <p:cTn id="3" fill="hold">
+                      <p:stCondLst>
+                        <p:cond delay="indefinite"/>
+                      </p:stCondLst>
+                      <p:childTnLst>
+                        <p:par>
+                          <p:cTn id="4" fill="hold">
+                            <p:stCondLst>
+                              <p:cond delay="0"/>
+                            </p:stCondLst>
+                            <p:childTnLst>
+                              <p:par>
+                                <p:cTn id="5" presetID="22" presetClass="entr" presetSubtype="4" fill="hold" grpId="0" nodeType="clickEffect">
+                                  <p:stCondLst>
+                                    <p:cond delay="0"/>
+                                  </p:stCondLst>
+                                  <p:childTnLst>
+                                    <p:set>
+                                      <p:cBhvr>
+                                        <p:cTn id="6" dur="1" fill="hold">
+                                          <p:stCondLst>
+                                            <p:cond delay="0"/>
+                                          </p:stCondLst>
+                                        </p:cTn>
+                                        <p:tgtEl>
+                                          <p:spTgt spid="4">
+                                            <p:txEl>
+                                              <p:pRg st="0" end="0"/>
+                                            </p:txEl>
+                                          </p:spTgt>
+                                        </p:tgtEl>
+                                        <p:attrNameLst>
+                                          <p:attrName>style.visibility</p:attrName>
+                                        </p:attrNameLst>
+                                      </p:cBhvr>
+                                      <p:to>
+                                        <p:strVal val="visible"/>
+                                      </p:to>
+                                    </p:set>
+                                    <p:animEffect transition="in" filter="wipe(down)">
+                                      <p:cBhvr>
+                                        <p:cTn id="7" dur="500"/>
+                                        <p:tgtEl>
+                                          <p:spTgt spid="4">
+                                            <p:txEl>
+                                              <p:pRg st="0" end="0"/>
+                                            </p:txEl>
+                                          </p:spTgt>
+                                        </p:tgtEl>
+                                      </p:cBhvr>
+                                    </p:animEffect>
+                                  </p:childTnLst>
+                                </p:cTn>
+                              </p:par>
+                            </p:childTnLst>
+                          </p:cTn>
+                        </p:par>
+                      </p:childTnLst>
+                    </p:cTn>
+                  </p:par>
+                  <p:par>
+                    <p:cTn id="8" fill="hold">
+                      <p:stCondLst>
+                        <p:cond delay="indefinite"/>
+                      </p:stCondLst>
+                      <p:childTnLst>
+                        <p:par>
+                          <p:cTn id="9" fill="hold">
+                            <p:stCondLst>
+                              <p:cond delay="0"/>
+                            </p:stCondLst>
+                            <p:childTnLst>
+                              <p:par>
+                                <p:cTn id="10" presetID="22" presetClass="entr" presetSubtype="4" fill="hold" grpId="0" nodeType="clickEffect">
+                                  <p:stCondLst>
+                                    <p:cond delay="0"/>
+                                  </p:stCondLst>
+                                  <p:childTnLst>
+                                    <p:set>
+                                      <p:cBhvr>
+                                        <p:cTn id="11" dur="1" fill="hold">
+                                          <p:stCondLst>
+                                            <p:cond delay="0"/>
+                                          </p:stCondLst>
+                                        </p:cTn>
+                                        <p:tgtEl>
+                                          <p:spTgt spid="7">
+                                            <p:txEl>
+                                              <p:pRg st="0" end="0"/>
+                                            </p:txEl>
+                                          </p:spTgt>
+                                        </p:tgtEl>
+                                        <p:attrNameLst>
+                                          <p:attrName>style.visibility</p:attrName>
+                                        </p:attrNameLst>
+                                      </p:cBhvr>
+                                      <p:to>
+                                        <p:strVal val="visible"/>
+                                      </p:to>
+                                    </p:set>
+                                    <p:animEffect transition="in" filter="wipe(down)">
+                                      <p:cBhvr>
+                                        <p:cTn id="12" dur="500"/>
+                                        <p:tgtEl>
+                                          <p:spTgt spid="7">
+                                            <p:txEl>
+                                              <p:pRg st="0" end="0"/>
+                                            </p:txEl>
+                                          </p:spTgt>
+                                        </p:tgtEl>
+                                      </p:cBhvr>
+                                    </p:animEffect>
+                                  </p:childTnLst>
+                                </p:cTn>
+                              </p:par>
+                            </p:childTnLst>
+                          </p:cTn>
+                        </p:par>
+                      </p:childTnLst>
+                    </p:cTn>
+                  </p:par>
+                  <p:par>
+                    <p:cTn id="13" fill="hold">
+                      <p:stCondLst>
+                        <p:cond delay="indefinite"/>
+                      </p:stCondLst>
+                      <p:childTnLst>
+                        <p:par>
+                          <p:cTn id="14" fill="hold">
+                            <p:stCondLst>
+                              <p:cond delay="0"/>
+                            </p:stCondLst>
+                            <p:childTnLst>
+                              <p:par>
+                                <p:cTn id="15" presetID="22" presetClass="entr" presetSubtype="4" fill="hold" grpId="0" nodeType="clickEffect">
+                                  <p:stCondLst>
+                                    <p:cond delay="0"/>
+                                  </p:stCondLst>
+                                  <p:childTnLst>
+                                    <p:set>
+                                      <p:cBhvr>
+                                        <p:cTn id="16" dur="1" fill="hold">
+                                          <p:stCondLst>
+                                            <p:cond delay="0"/>
+                                          </p:stCondLst>
+                                        </p:cTn>
+                                        <p:tgtEl>
+                                          <p:spTgt spid="8">
+                                            <p:txEl>
+                                              <p:pRg st="0" end="0"/>
+                                            </p:txEl>
+                                          </p:spTgt>
+                                        </p:tgtEl>
+                                        <p:attrNameLst>
+                                          <p:attrName>style.visibility</p:attrName>
+                                        </p:attrNameLst>
+                                      </p:cBhvr>
+                                      <p:to>
+                                        <p:strVal val="visible"/>
+                                      </p:to>
+                                    </p:set>
+                                    <p:animEffect transition="in" filter="wipe(down)">
+                                      <p:cBhvr>
+                                        <p:cTn id="17" dur="500"/>
+                                        <p:tgtEl>
+                                          <p:spTgt spid="8">
+                                            <p:txEl>
+                                              <p:pRg st="0" end="0"/>
+                                            </p:txEl>
+                                          </p:spTgt>
+                                        </p:tgtEl>
+                                      </p:cBhvr>
+                                    </p:animEffect>
+                                  </p:childTnLst>
+                                </p:cTn>
+                              </p:par>
+                            </p:childTnLst>
+                          </p:cTn>
+                        </p:par>
+                      </p:childTnLst>
+                    </p:cTn>
+                  </p:par>
+                </p:childTnLst>
+              </p:cTn>
+              <p:prevCondLst>
+                <p:cond evt="onPrev" delay="0">
+                  <p:tgtEl>
+                    <p:sldTgt/>
+                  </p:tgtEl>
+                </p:cond>
+              </p:prevCondLst>
+              <p:nextCondLst>
+                <p:cond evt="onNext" delay="0">
+                  <p:tgtEl>
+                    <p:sldTgt/>
+                  </p:tgtEl>
+                </p:cond>
+              </p:nextCondLst>
+            </p:seq>
+          </p:childTnLst>
+        </p:cTn>
       </p:par>
     </p:tnLst>
+    <p:bldLst>
+      <p:bldP spid="4" grpId="0" build="allAtOnce"/>
+      <p:bldP spid="7" grpId="0" build="allAtOnce"/>
+      <p:bldP spid="8" grpId="0" build="allAtOnce"/>
+    </p:bldLst>
   </p:timing>
 </p:sld>
 </file>
@@ -4762,7 +6846,7 @@
         <p:spPr>
           <a:xfrm>
             <a:off x="571472" y="571480"/>
-            <a:ext cx="8143932" cy="707886"/>
+            <a:ext cx="8215370" cy="707886"/>
           </a:xfrm>
           <a:prstGeom prst="rect">
             <a:avLst/>
@@ -4786,7 +6870,7 @@
                 <a:latin typeface="华文楷体" pitchFamily="2" charset="-122"/>
                 <a:ea typeface="华文楷体" pitchFamily="2" charset="-122"/>
               </a:rPr>
-              <a:t>加载时机</a:t>
+              <a:t>后处理机制</a:t>
             </a:r>
             <a:r>
               <a:rPr lang="en-US" altLang="zh-CN" sz="4000" b="1" dirty="0" smtClean="0">
@@ -4799,7 +6883,7 @@
                 <a:latin typeface="华文楷体" pitchFamily="2" charset="-122"/>
                 <a:ea typeface="华文楷体" pitchFamily="2" charset="-122"/>
               </a:rPr>
-              <a:t>(When to load)</a:t>
+              <a:t>(Post process)</a:t>
             </a:r>
             <a:endParaRPr lang="zh-CN" altLang="en-US" sz="4000" b="1" dirty="0">
               <a:solidFill>
@@ -4816,14 +6900,14 @@
       </p:sp>
       <p:sp>
         <p:nvSpPr>
-          <p:cNvPr id="6" name="TextBox 5"/>
+          <p:cNvPr id="7" name="TextBox 6"/>
           <p:cNvSpPr txBox="1"/>
           <p:nvPr/>
         </p:nvSpPr>
         <p:spPr>
           <a:xfrm>
             <a:off x="714348" y="1500174"/>
-            <a:ext cx="7929618" cy="1569660"/>
+            <a:ext cx="8001056" cy="1077218"/>
           </a:xfrm>
           <a:prstGeom prst="rect">
             <a:avLst/>
@@ -4847,7 +6931,7 @@
                 <a:latin typeface="华文楷体" pitchFamily="2" charset="-122"/>
                 <a:ea typeface="华文楷体" pitchFamily="2" charset="-122"/>
               </a:rPr>
-              <a:t>安全元数据在系统启动时进行加载计算，且后面不会再更新。无论是写死在代理里，还是从数据库中查询</a:t>
+              <a:t>允许在某个点介入到系统提供的执行流程中，执行一些自己的逻辑。</a:t>
             </a:r>
             <a:endParaRPr lang="en-US" altLang="zh-CN" sz="3200" b="1" dirty="0" smtClean="0">
               <a:solidFill>
@@ -4870,8 +6954,8 @@
         </p:nvSpPr>
         <p:spPr>
           <a:xfrm>
-            <a:off x="714348" y="3216662"/>
-            <a:ext cx="7929618" cy="1077218"/>
+            <a:off x="714348" y="2708972"/>
+            <a:ext cx="8001056" cy="1077218"/>
           </a:xfrm>
           <a:prstGeom prst="rect">
             <a:avLst/>
@@ -4885,6 +6969,14 @@
           <a:lstStyle/>
           <a:p>
             <a:r>
+              <a:rPr lang="en-US" altLang="zh-CN" sz="3200" dirty="0" err="1" smtClean="0"/>
+              <a:t>ObjectPostProcessor</a:t>
+            </a:r>
+            <a:r>
+              <a:rPr lang="en-US" altLang="zh-CN" sz="3200" dirty="0" smtClean="0"/>
+              <a:t>&lt;T&gt;</a:t>
+            </a:r>
+            <a:r>
               <a:rPr lang="zh-CN" altLang="en-US" sz="3200" b="1" dirty="0" smtClean="0">
                 <a:solidFill>
                   <a:schemeClr val="tx1">
@@ -4895,233 +6987,7 @@
                 <a:latin typeface="华文楷体" pitchFamily="2" charset="-122"/>
                 <a:ea typeface="华文楷体" pitchFamily="2" charset="-122"/>
               </a:rPr>
-              <a:t>安全元数据不保存，任何时候需要时，都从数据库</a:t>
-            </a:r>
-            <a:r>
-              <a:rPr lang="en-US" altLang="zh-CN" sz="3200" b="1" dirty="0" smtClean="0">
-                <a:solidFill>
-                  <a:schemeClr val="tx1">
-                    <a:lumMod val="75000"/>
-                    <a:lumOff val="25000"/>
-                  </a:schemeClr>
-                </a:solidFill>
-                <a:latin typeface="华文楷体" pitchFamily="2" charset="-122"/>
-                <a:ea typeface="华文楷体" pitchFamily="2" charset="-122"/>
-              </a:rPr>
-              <a:t>/</a:t>
-            </a:r>
-            <a:r>
-              <a:rPr lang="zh-CN" altLang="en-US" sz="3200" b="1" dirty="0" smtClean="0">
-                <a:solidFill>
-                  <a:schemeClr val="tx1">
-                    <a:lumMod val="75000"/>
-                    <a:lumOff val="25000"/>
-                  </a:schemeClr>
-                </a:solidFill>
-                <a:latin typeface="华文楷体" pitchFamily="2" charset="-122"/>
-                <a:ea typeface="华文楷体" pitchFamily="2" charset="-122"/>
-              </a:rPr>
-              <a:t>缓存查。</a:t>
-            </a:r>
-            <a:endParaRPr lang="en-US" altLang="zh-CN" sz="3200" b="1" dirty="0" smtClean="0">
-              <a:solidFill>
-                <a:schemeClr val="tx1">
-                  <a:lumMod val="75000"/>
-                  <a:lumOff val="25000"/>
-                </a:schemeClr>
-              </a:solidFill>
-              <a:latin typeface="华文楷体" pitchFamily="2" charset="-122"/>
-              <a:ea typeface="华文楷体" pitchFamily="2" charset="-122"/>
-            </a:endParaRPr>
-          </a:p>
-        </p:txBody>
-      </p:sp>
-      <p:sp>
-        <p:nvSpPr>
-          <p:cNvPr id="7" name="TextBox 6"/>
-          <p:cNvSpPr txBox="1"/>
-          <p:nvPr/>
-        </p:nvSpPr>
-        <p:spPr>
-          <a:xfrm>
-            <a:off x="714348" y="4352046"/>
-            <a:ext cx="7929618" cy="1077218"/>
-          </a:xfrm>
-          <a:prstGeom prst="rect">
-            <a:avLst/>
-          </a:prstGeom>
-          <a:noFill/>
-        </p:spPr>
-        <p:txBody>
-          <a:bodyPr wrap="square" rtlCol="0">
-            <a:spAutoFit/>
-          </a:bodyPr>
-          <a:lstStyle/>
-          <a:p>
-            <a:r>
-              <a:rPr lang="zh-CN" altLang="en-US" sz="3200" b="1" dirty="0" smtClean="0">
-                <a:solidFill>
-                  <a:schemeClr val="tx1">
-                    <a:lumMod val="75000"/>
-                    <a:lumOff val="25000"/>
-                  </a:schemeClr>
-                </a:solidFill>
-                <a:latin typeface="华文楷体" pitchFamily="2" charset="-122"/>
-                <a:ea typeface="华文楷体" pitchFamily="2" charset="-122"/>
-              </a:rPr>
-              <a:t>修改了安全元数据后，人工触发更新。更新缓存</a:t>
-            </a:r>
-            <a:r>
-              <a:rPr lang="en-US" altLang="zh-CN" sz="3200" b="1" dirty="0" smtClean="0">
-                <a:solidFill>
-                  <a:schemeClr val="tx1">
-                    <a:lumMod val="75000"/>
-                    <a:lumOff val="25000"/>
-                  </a:schemeClr>
-                </a:solidFill>
-                <a:latin typeface="华文楷体" pitchFamily="2" charset="-122"/>
-                <a:ea typeface="华文楷体" pitchFamily="2" charset="-122"/>
-              </a:rPr>
-              <a:t>/</a:t>
-            </a:r>
-            <a:r>
-              <a:rPr lang="zh-CN" altLang="en-US" sz="3200" b="1" dirty="0" smtClean="0">
-                <a:solidFill>
-                  <a:schemeClr val="tx1">
-                    <a:lumMod val="75000"/>
-                    <a:lumOff val="25000"/>
-                  </a:schemeClr>
-                </a:solidFill>
-                <a:latin typeface="华文楷体" pitchFamily="2" charset="-122"/>
-                <a:ea typeface="华文楷体" pitchFamily="2" charset="-122"/>
-              </a:rPr>
-              <a:t>容器中的</a:t>
-            </a:r>
-            <a:r>
-              <a:rPr lang="en-US" altLang="zh-CN" sz="3200" b="1" dirty="0" smtClean="0">
-                <a:solidFill>
-                  <a:schemeClr val="tx1">
-                    <a:lumMod val="75000"/>
-                    <a:lumOff val="25000"/>
-                  </a:schemeClr>
-                </a:solidFill>
-                <a:latin typeface="华文楷体" pitchFamily="2" charset="-122"/>
-                <a:ea typeface="华文楷体" pitchFamily="2" charset="-122"/>
-              </a:rPr>
-              <a:t>Bean</a:t>
-            </a:r>
-            <a:r>
-              <a:rPr lang="zh-CN" altLang="en-US" sz="3200" b="1" dirty="0" smtClean="0">
-                <a:solidFill>
-                  <a:schemeClr val="tx1">
-                    <a:lumMod val="75000"/>
-                    <a:lumOff val="25000"/>
-                  </a:schemeClr>
-                </a:solidFill>
-                <a:latin typeface="华文楷体" pitchFamily="2" charset="-122"/>
-                <a:ea typeface="华文楷体" pitchFamily="2" charset="-122"/>
-              </a:rPr>
-              <a:t>。</a:t>
-            </a:r>
-            <a:endParaRPr lang="en-US" altLang="zh-CN" sz="3200" b="1" dirty="0" smtClean="0">
-              <a:solidFill>
-                <a:schemeClr val="tx1">
-                  <a:lumMod val="75000"/>
-                  <a:lumOff val="25000"/>
-                </a:schemeClr>
-              </a:solidFill>
-              <a:latin typeface="华文楷体" pitchFamily="2" charset="-122"/>
-              <a:ea typeface="华文楷体" pitchFamily="2" charset="-122"/>
-            </a:endParaRPr>
-          </a:p>
-        </p:txBody>
-      </p:sp>
-      <p:sp>
-        <p:nvSpPr>
-          <p:cNvPr id="8" name="TextBox 7"/>
-          <p:cNvSpPr txBox="1"/>
-          <p:nvPr/>
-        </p:nvSpPr>
-        <p:spPr>
-          <a:xfrm>
-            <a:off x="714348" y="5495054"/>
-            <a:ext cx="7929618" cy="1077218"/>
-          </a:xfrm>
-          <a:prstGeom prst="rect">
-            <a:avLst/>
-          </a:prstGeom>
-          <a:noFill/>
-        </p:spPr>
-        <p:txBody>
-          <a:bodyPr wrap="square" rtlCol="0">
-            <a:spAutoFit/>
-          </a:bodyPr>
-          <a:lstStyle/>
-          <a:p>
-            <a:r>
-              <a:rPr lang="zh-CN" altLang="en-US" sz="3200" b="1" dirty="0" smtClean="0">
-                <a:solidFill>
-                  <a:schemeClr val="tx1">
-                    <a:lumMod val="75000"/>
-                    <a:lumOff val="25000"/>
-                  </a:schemeClr>
-                </a:solidFill>
-                <a:latin typeface="华文楷体" pitchFamily="2" charset="-122"/>
-                <a:ea typeface="华文楷体" pitchFamily="2" charset="-122"/>
-              </a:rPr>
-              <a:t>修改了安全元数据后，由定时任务检测到后并负责更新。更新缓存</a:t>
-            </a:r>
-            <a:r>
-              <a:rPr lang="en-US" altLang="zh-CN" sz="3200" b="1" dirty="0" smtClean="0">
-                <a:solidFill>
-                  <a:schemeClr val="tx1">
-                    <a:lumMod val="75000"/>
-                    <a:lumOff val="25000"/>
-                  </a:schemeClr>
-                </a:solidFill>
-                <a:latin typeface="华文楷体" pitchFamily="2" charset="-122"/>
-                <a:ea typeface="华文楷体" pitchFamily="2" charset="-122"/>
-              </a:rPr>
-              <a:t>/</a:t>
-            </a:r>
-            <a:r>
-              <a:rPr lang="zh-CN" altLang="en-US" sz="3200" b="1" dirty="0" smtClean="0">
-                <a:solidFill>
-                  <a:schemeClr val="tx1">
-                    <a:lumMod val="75000"/>
-                    <a:lumOff val="25000"/>
-                  </a:schemeClr>
-                </a:solidFill>
-                <a:latin typeface="华文楷体" pitchFamily="2" charset="-122"/>
-                <a:ea typeface="华文楷体" pitchFamily="2" charset="-122"/>
-              </a:rPr>
-              <a:t>容器中的</a:t>
-            </a:r>
-            <a:r>
-              <a:rPr lang="en-US" altLang="zh-CN" sz="3200" b="1" dirty="0" smtClean="0">
-                <a:solidFill>
-                  <a:schemeClr val="tx1">
-                    <a:lumMod val="75000"/>
-                    <a:lumOff val="25000"/>
-                  </a:schemeClr>
-                </a:solidFill>
-                <a:latin typeface="华文楷体" pitchFamily="2" charset="-122"/>
-                <a:ea typeface="华文楷体" pitchFamily="2" charset="-122"/>
-              </a:rPr>
-              <a:t>Bean</a:t>
-            </a:r>
-            <a:r>
-              <a:rPr lang="zh-CN" altLang="en-US" sz="3200" b="1" dirty="0" smtClean="0">
-                <a:solidFill>
-                  <a:schemeClr val="tx1">
-                    <a:lumMod val="75000"/>
-                    <a:lumOff val="25000"/>
-                  </a:schemeClr>
-                </a:solidFill>
-                <a:latin typeface="华文楷体" pitchFamily="2" charset="-122"/>
-                <a:ea typeface="华文楷体" pitchFamily="2" charset="-122"/>
-              </a:rPr>
-              <a:t>。</a:t>
+              <a:t>，对象后处理器，允许对一个对象进行一些额外的初始化或配置。</a:t>
             </a:r>
             <a:endParaRPr lang="en-US" altLang="zh-CN" sz="3200" b="1" dirty="0" smtClean="0">
               <a:solidFill>
@@ -5201,7 +7067,7 @@
                 <a:latin typeface="华文楷体" pitchFamily="2" charset="-122"/>
                 <a:ea typeface="华文楷体" pitchFamily="2" charset="-122"/>
               </a:rPr>
-              <a:t>后处理机制</a:t>
+              <a:t>基于</a:t>
             </a:r>
             <a:r>
               <a:rPr lang="en-US" altLang="zh-CN" sz="4000" b="1" dirty="0" smtClean="0">
@@ -5214,7 +7080,33 @@
                 <a:latin typeface="华文楷体" pitchFamily="2" charset="-122"/>
                 <a:ea typeface="华文楷体" pitchFamily="2" charset="-122"/>
               </a:rPr>
-              <a:t>(Post process)</a:t>
+              <a:t>Web</a:t>
+            </a:r>
+            <a:r>
+              <a:rPr lang="zh-CN" altLang="en-US" sz="4000" b="1" dirty="0" smtClean="0">
+                <a:solidFill>
+                  <a:schemeClr val="tx1">
+                    <a:lumMod val="75000"/>
+                    <a:lumOff val="25000"/>
+                  </a:schemeClr>
+                </a:solidFill>
+                <a:latin typeface="华文楷体" pitchFamily="2" charset="-122"/>
+                <a:ea typeface="华文楷体" pitchFamily="2" charset="-122"/>
+              </a:rPr>
+              <a:t>访问的实现原理</a:t>
+            </a:r>
+            <a:r>
+              <a:rPr lang="en-US" altLang="zh-CN" sz="4000" b="1" dirty="0" smtClean="0">
+                <a:solidFill>
+                  <a:schemeClr val="tx1">
+                    <a:lumMod val="75000"/>
+                    <a:lumOff val="25000"/>
+                  </a:schemeClr>
+                </a:solidFill>
+                <a:latin typeface="华文楷体" pitchFamily="2" charset="-122"/>
+                <a:ea typeface="华文楷体" pitchFamily="2" charset="-122"/>
+              </a:rPr>
+              <a:t>(URL)</a:t>
             </a:r>
             <a:endParaRPr lang="zh-CN" altLang="en-US" sz="4000" b="1" dirty="0">
               <a:solidFill>
@@ -5238,7 +7130,7 @@
         <p:spPr>
           <a:xfrm>
             <a:off x="714348" y="1500174"/>
-            <a:ext cx="8001056" cy="1077218"/>
+            <a:ext cx="8001056" cy="1569660"/>
           </a:xfrm>
           <a:prstGeom prst="rect">
             <a:avLst/>
@@ -5262,7 +7154,98 @@
                 <a:latin typeface="华文楷体" pitchFamily="2" charset="-122"/>
                 <a:ea typeface="华文楷体" pitchFamily="2" charset="-122"/>
               </a:rPr>
-              <a:t>允许在某个点介入到系统提供的执行流程中，执行一些自己的逻辑。</a:t>
+              <a:t>因为处理的都是对</a:t>
+            </a:r>
+            <a:r>
+              <a:rPr lang="en-US" altLang="zh-CN" sz="3200" b="1" dirty="0" err="1" smtClean="0">
+                <a:solidFill>
+                  <a:schemeClr val="tx1">
+                    <a:lumMod val="75000"/>
+                    <a:lumOff val="25000"/>
+                  </a:schemeClr>
+                </a:solidFill>
+                <a:latin typeface="华文楷体" pitchFamily="2" charset="-122"/>
+                <a:ea typeface="华文楷体" pitchFamily="2" charset="-122"/>
+              </a:rPr>
+              <a:t>url</a:t>
+            </a:r>
+            <a:r>
+              <a:rPr lang="zh-CN" altLang="en-US" sz="3200" b="1" dirty="0" smtClean="0">
+                <a:solidFill>
+                  <a:schemeClr val="tx1">
+                    <a:lumMod val="75000"/>
+                    <a:lumOff val="25000"/>
+                  </a:schemeClr>
+                </a:solidFill>
+                <a:latin typeface="华文楷体" pitchFamily="2" charset="-122"/>
+                <a:ea typeface="华文楷体" pitchFamily="2" charset="-122"/>
+              </a:rPr>
+              <a:t>的访问，所以全部处理流程和机制都是采用过滤器实现的。就是</a:t>
+            </a:r>
+            <a:r>
+              <a:rPr lang="en-US" altLang="zh-CN" sz="3200" b="1" dirty="0" smtClean="0">
+                <a:solidFill>
+                  <a:schemeClr val="tx1">
+                    <a:lumMod val="75000"/>
+                    <a:lumOff val="25000"/>
+                  </a:schemeClr>
+                </a:solidFill>
+                <a:latin typeface="华文楷体" pitchFamily="2" charset="-122"/>
+                <a:ea typeface="华文楷体" pitchFamily="2" charset="-122"/>
+              </a:rPr>
+              <a:t>Java Web</a:t>
+            </a:r>
+            <a:r>
+              <a:rPr lang="zh-CN" altLang="en-US" sz="3200" b="1" dirty="0" smtClean="0">
+                <a:solidFill>
+                  <a:schemeClr val="tx1">
+                    <a:lumMod val="75000"/>
+                    <a:lumOff val="25000"/>
+                  </a:schemeClr>
+                </a:solidFill>
+                <a:latin typeface="华文楷体" pitchFamily="2" charset="-122"/>
+                <a:ea typeface="华文楷体" pitchFamily="2" charset="-122"/>
+              </a:rPr>
+              <a:t>中的</a:t>
+            </a:r>
+            <a:r>
+              <a:rPr lang="en-US" altLang="zh-CN" sz="3200" b="1" dirty="0" err="1" smtClean="0">
+                <a:solidFill>
+                  <a:schemeClr val="tx1">
+                    <a:lumMod val="75000"/>
+                    <a:lumOff val="25000"/>
+                  </a:schemeClr>
+                </a:solidFill>
+                <a:latin typeface="华文楷体" pitchFamily="2" charset="-122"/>
+                <a:ea typeface="华文楷体" pitchFamily="2" charset="-122"/>
+              </a:rPr>
+              <a:t>Servlet</a:t>
+            </a:r>
+            <a:r>
+              <a:rPr lang="en-US" altLang="zh-CN" sz="3200" b="1" dirty="0" smtClean="0">
+                <a:solidFill>
+                  <a:schemeClr val="tx1">
+                    <a:lumMod val="75000"/>
+                    <a:lumOff val="25000"/>
+                  </a:schemeClr>
+                </a:solidFill>
+                <a:latin typeface="华文楷体" pitchFamily="2" charset="-122"/>
+                <a:ea typeface="华文楷体" pitchFamily="2" charset="-122"/>
+              </a:rPr>
+              <a:t> Filter</a:t>
+            </a:r>
+            <a:r>
+              <a:rPr lang="zh-CN" altLang="en-US" sz="3200" b="1" dirty="0" smtClean="0">
+                <a:solidFill>
+                  <a:schemeClr val="tx1">
+                    <a:lumMod val="75000"/>
+                    <a:lumOff val="25000"/>
+                  </a:schemeClr>
+                </a:solidFill>
+                <a:latin typeface="华文楷体" pitchFamily="2" charset="-122"/>
+                <a:ea typeface="华文楷体" pitchFamily="2" charset="-122"/>
+              </a:rPr>
+              <a:t>。</a:t>
             </a:r>
             <a:endParaRPr lang="en-US" altLang="zh-CN" sz="3200" b="1" dirty="0" smtClean="0">
               <a:solidFill>
@@ -5285,8 +7268,8 @@
         </p:nvSpPr>
         <p:spPr>
           <a:xfrm>
-            <a:off x="714348" y="2708972"/>
-            <a:ext cx="8001056" cy="1077218"/>
+            <a:off x="714348" y="3359538"/>
+            <a:ext cx="8001056" cy="1569660"/>
           </a:xfrm>
           <a:prstGeom prst="rect">
             <a:avLst/>
@@ -5300,14 +7283,6 @@
           <a:lstStyle/>
           <a:p>
             <a:r>
-              <a:rPr lang="en-US" altLang="zh-CN" sz="3200" dirty="0" err="1" smtClean="0"/>
-              <a:t>ObjectPostProcessor</a:t>
-            </a:r>
-            <a:r>
-              <a:rPr lang="en-US" altLang="zh-CN" sz="3200" dirty="0" smtClean="0"/>
-              <a:t>&lt;T&gt;</a:t>
-            </a:r>
-            <a:r>
               <a:rPr lang="zh-CN" altLang="en-US" sz="3200" b="1" dirty="0" smtClean="0">
                 <a:solidFill>
                   <a:schemeClr val="tx1">
@@ -5318,7 +7293,85 @@
                 <a:latin typeface="华文楷体" pitchFamily="2" charset="-122"/>
                 <a:ea typeface="华文楷体" pitchFamily="2" charset="-122"/>
               </a:rPr>
-              <a:t>，对象后处理器，允许对一个对象进行一些额外的初始化或配置。</a:t>
+              <a:t>系统定义了很多</a:t>
+            </a:r>
+            <a:r>
+              <a:rPr lang="en-US" altLang="zh-CN" sz="3200" b="1" dirty="0" smtClean="0">
+                <a:solidFill>
+                  <a:schemeClr val="tx1">
+                    <a:lumMod val="75000"/>
+                    <a:lumOff val="25000"/>
+                  </a:schemeClr>
+                </a:solidFill>
+                <a:latin typeface="华文楷体" pitchFamily="2" charset="-122"/>
+                <a:ea typeface="华文楷体" pitchFamily="2" charset="-122"/>
+              </a:rPr>
+              <a:t>Filter</a:t>
+            </a:r>
+            <a:r>
+              <a:rPr lang="zh-CN" altLang="en-US" sz="3200" b="1" dirty="0" smtClean="0">
+                <a:solidFill>
+                  <a:schemeClr val="tx1">
+                    <a:lumMod val="75000"/>
+                    <a:lumOff val="25000"/>
+                  </a:schemeClr>
+                </a:solidFill>
+                <a:latin typeface="华文楷体" pitchFamily="2" charset="-122"/>
+                <a:ea typeface="华文楷体" pitchFamily="2" charset="-122"/>
+              </a:rPr>
+              <a:t>，且这些</a:t>
+            </a:r>
+            <a:r>
+              <a:rPr lang="en-US" altLang="zh-CN" sz="3200" b="1" dirty="0" smtClean="0">
+                <a:solidFill>
+                  <a:schemeClr val="tx1">
+                    <a:lumMod val="75000"/>
+                    <a:lumOff val="25000"/>
+                  </a:schemeClr>
+                </a:solidFill>
+                <a:latin typeface="华文楷体" pitchFamily="2" charset="-122"/>
+                <a:ea typeface="华文楷体" pitchFamily="2" charset="-122"/>
+              </a:rPr>
+              <a:t>Filter</a:t>
+            </a:r>
+            <a:r>
+              <a:rPr lang="zh-CN" altLang="en-US" sz="3200" b="1" dirty="0" smtClean="0">
+                <a:solidFill>
+                  <a:schemeClr val="tx1">
+                    <a:lumMod val="75000"/>
+                    <a:lumOff val="25000"/>
+                  </a:schemeClr>
+                </a:solidFill>
+                <a:latin typeface="华文楷体" pitchFamily="2" charset="-122"/>
+                <a:ea typeface="华文楷体" pitchFamily="2" charset="-122"/>
+              </a:rPr>
+              <a:t>之间是有先后顺序的。一个请求到来，会依次经过各个</a:t>
+            </a:r>
+            <a:r>
+              <a:rPr lang="en-US" altLang="zh-CN" sz="3200" b="1" dirty="0" smtClean="0">
+                <a:solidFill>
+                  <a:schemeClr val="tx1">
+                    <a:lumMod val="75000"/>
+                    <a:lumOff val="25000"/>
+                  </a:schemeClr>
+                </a:solidFill>
+                <a:latin typeface="华文楷体" pitchFamily="2" charset="-122"/>
+                <a:ea typeface="华文楷体" pitchFamily="2" charset="-122"/>
+              </a:rPr>
+              <a:t>Filter</a:t>
+            </a:r>
+            <a:r>
+              <a:rPr lang="zh-CN" altLang="en-US" sz="3200" b="1" dirty="0" smtClean="0">
+                <a:solidFill>
+                  <a:schemeClr val="tx1">
+                    <a:lumMod val="75000"/>
+                    <a:lumOff val="25000"/>
+                  </a:schemeClr>
+                </a:solidFill>
+                <a:latin typeface="华文楷体" pitchFamily="2" charset="-122"/>
+                <a:ea typeface="华文楷体" pitchFamily="2" charset="-122"/>
+              </a:rPr>
+              <a:t>进行处理。</a:t>
             </a:r>
             <a:endParaRPr lang="en-US" altLang="zh-CN" sz="3200" b="1" dirty="0" smtClean="0">
               <a:solidFill>
@@ -5341,9 +7394,158 @@
   <p:timing>
     <p:tnLst>
       <p:par>
-        <p:cTn id="1" dur="indefinite" restart="never" nodeType="tmRoot"/>
+        <p:cTn id="1" dur="indefinite" restart="never" nodeType="tmRoot">
+          <p:childTnLst>
+            <p:seq concurrent="1" nextAc="seek">
+              <p:cTn id="2" dur="indefinite" nodeType="mainSeq">
+                <p:childTnLst>
+                  <p:par>
+                    <p:cTn id="3" fill="hold">
+                      <p:stCondLst>
+                        <p:cond delay="indefinite"/>
+                      </p:stCondLst>
+                      <p:childTnLst>
+                        <p:par>
+                          <p:cTn id="4" fill="hold">
+                            <p:stCondLst>
+                              <p:cond delay="0"/>
+                            </p:stCondLst>
+                            <p:childTnLst>
+                              <p:par>
+                                <p:cTn id="5" presetID="22" presetClass="entr" presetSubtype="4" fill="hold" grpId="0" nodeType="clickEffect">
+                                  <p:stCondLst>
+                                    <p:cond delay="0"/>
+                                  </p:stCondLst>
+                                  <p:childTnLst>
+                                    <p:set>
+                                      <p:cBhvr>
+                                        <p:cTn id="6" dur="1" fill="hold">
+                                          <p:stCondLst>
+                                            <p:cond delay="0"/>
+                                          </p:stCondLst>
+                                        </p:cTn>
+                                        <p:tgtEl>
+                                          <p:spTgt spid="7">
+                                            <p:txEl>
+                                              <p:pRg st="0" end="0"/>
+                                            </p:txEl>
+                                          </p:spTgt>
+                                        </p:tgtEl>
+                                        <p:attrNameLst>
+                                          <p:attrName>style.visibility</p:attrName>
+                                        </p:attrNameLst>
+                                      </p:cBhvr>
+                                      <p:to>
+                                        <p:strVal val="visible"/>
+                                      </p:to>
+                                    </p:set>
+                                    <p:animEffect transition="in" filter="wipe(down)">
+                                      <p:cBhvr>
+                                        <p:cTn id="7" dur="500"/>
+                                        <p:tgtEl>
+                                          <p:spTgt spid="7">
+                                            <p:txEl>
+                                              <p:pRg st="0" end="0"/>
+                                            </p:txEl>
+                                          </p:spTgt>
+                                        </p:tgtEl>
+                                      </p:cBhvr>
+                                    </p:animEffect>
+                                  </p:childTnLst>
+                                </p:cTn>
+                              </p:par>
+                            </p:childTnLst>
+                          </p:cTn>
+                        </p:par>
+                      </p:childTnLst>
+                    </p:cTn>
+                  </p:par>
+                  <p:par>
+                    <p:cTn id="8" fill="hold">
+                      <p:stCondLst>
+                        <p:cond delay="indefinite"/>
+                      </p:stCondLst>
+                      <p:childTnLst>
+                        <p:par>
+                          <p:cTn id="9" fill="hold">
+                            <p:stCondLst>
+                              <p:cond delay="0"/>
+                            </p:stCondLst>
+                            <p:childTnLst>
+                              <p:par>
+                                <p:cTn id="10" presetID="22" presetClass="entr" presetSubtype="4" fill="hold" grpId="0" nodeType="clickEffect">
+                                  <p:stCondLst>
+                                    <p:cond delay="0"/>
+                                  </p:stCondLst>
+                                  <p:childTnLst>
+                                    <p:set>
+                                      <p:cBhvr>
+                                        <p:cTn id="11" dur="1" fill="hold">
+                                          <p:stCondLst>
+                                            <p:cond delay="0"/>
+                                          </p:stCondLst>
+                                        </p:cTn>
+                                        <p:tgtEl>
+                                          <p:spTgt spid="4">
+                                            <p:txEl>
+                                              <p:pRg st="0" end="0"/>
+                                            </p:txEl>
+                                          </p:spTgt>
+                                        </p:tgtEl>
+                                        <p:attrNameLst>
+                                          <p:attrName>style.visibility</p:attrName>
+                                        </p:attrNameLst>
+                                      </p:cBhvr>
+                                      <p:to>
+                                        <p:strVal val="visible"/>
+                                      </p:to>
+                                    </p:set>
+                                    <p:animEffect transition="in" filter="wipe(down)">
+                                      <p:cBhvr>
+                                        <p:cTn id="12" dur="500"/>
+                                        <p:tgtEl>
+                                          <p:spTgt spid="4">
+                                            <p:txEl>
+                                              <p:pRg st="0" end="0"/>
+                                            </p:txEl>
+                                          </p:spTgt>
+                                        </p:tgtEl>
+                                      </p:cBhvr>
+                                    </p:animEffect>
+                                  </p:childTnLst>
+                                </p:cTn>
+                              </p:par>
+                            </p:childTnLst>
+                          </p:cTn>
+                        </p:par>
+                      </p:childTnLst>
+                    </p:cTn>
+                  </p:par>
+                </p:childTnLst>
+              </p:cTn>
+              <p:prevCondLst>
+                <p:cond evt="onPrev" delay="0">
+                  <p:tgtEl>
+                    <p:sldTgt/>
+                  </p:tgtEl>
+                </p:cond>
+              </p:prevCondLst>
+              <p:nextCondLst>
+                <p:cond evt="onNext" delay="0">
+                  <p:tgtEl>
+                    <p:sldTgt/>
+                  </p:tgtEl>
+                </p:cond>
+              </p:nextCondLst>
+            </p:seq>
+          </p:childTnLst>
+        </p:cTn>
       </p:par>
     </p:tnLst>
+    <p:bldLst>
+      <p:bldP spid="7" grpId="0" build="allAtOnce"/>
+      <p:bldP spid="4" grpId="0" build="allAtOnce"/>
+    </p:bldLst>
   </p:timing>
 </p:sld>
 </file>
@@ -5398,7 +7600,7 @@
                 <a:latin typeface="华文楷体" pitchFamily="2" charset="-122"/>
                 <a:ea typeface="华文楷体" pitchFamily="2" charset="-122"/>
               </a:rPr>
-              <a:t>基于</a:t>
+              <a:t>流程控制机制</a:t>
             </a:r>
             <a:r>
               <a:rPr lang="en-US" altLang="zh-CN" sz="4000" b="1" dirty="0" smtClean="0">
@@ -5411,33 +7613,7 @@
                 <a:latin typeface="华文楷体" pitchFamily="2" charset="-122"/>
                 <a:ea typeface="华文楷体" pitchFamily="2" charset="-122"/>
               </a:rPr>
-              <a:t>Web</a:t>
-            </a:r>
-            <a:r>
-              <a:rPr lang="zh-CN" altLang="en-US" sz="4000" b="1" dirty="0" smtClean="0">
-                <a:solidFill>
-                  <a:schemeClr val="tx1">
-                    <a:lumMod val="75000"/>
-                    <a:lumOff val="25000"/>
-                  </a:schemeClr>
-                </a:solidFill>
-                <a:latin typeface="华文楷体" pitchFamily="2" charset="-122"/>
-                <a:ea typeface="华文楷体" pitchFamily="2" charset="-122"/>
-              </a:rPr>
-              <a:t>的访问</a:t>
-            </a:r>
-            <a:r>
-              <a:rPr lang="en-US" altLang="zh-CN" sz="4000" b="1" dirty="0" smtClean="0">
-                <a:solidFill>
-                  <a:schemeClr val="tx1">
-                    <a:lumMod val="75000"/>
-                    <a:lumOff val="25000"/>
-                  </a:schemeClr>
-                </a:solidFill>
-                <a:latin typeface="华文楷体" pitchFamily="2" charset="-122"/>
-                <a:ea typeface="华文楷体" pitchFamily="2" charset="-122"/>
-              </a:rPr>
-              <a:t>(URL)</a:t>
+              <a:t>(Flow control)</a:t>
             </a:r>
             <a:endParaRPr lang="zh-CN" altLang="en-US" sz="4000" b="1" dirty="0">
               <a:solidFill>
@@ -5461,7 +7637,7 @@
         <p:spPr>
           <a:xfrm>
             <a:off x="714348" y="1500174"/>
-            <a:ext cx="8001056" cy="1569660"/>
+            <a:ext cx="8001056" cy="1077218"/>
           </a:xfrm>
           <a:prstGeom prst="rect">
             <a:avLst/>
@@ -5485,98 +7661,7 @@
                 <a:latin typeface="华文楷体" pitchFamily="2" charset="-122"/>
                 <a:ea typeface="华文楷体" pitchFamily="2" charset="-122"/>
               </a:rPr>
-              <a:t>因为处理的都是对</a:t>
-            </a:r>
-            <a:r>
-              <a:rPr lang="en-US" altLang="zh-CN" sz="3200" b="1" dirty="0" err="1" smtClean="0">
-                <a:solidFill>
-                  <a:schemeClr val="tx1">
-                    <a:lumMod val="75000"/>
-                    <a:lumOff val="25000"/>
-                  </a:schemeClr>
-                </a:solidFill>
-                <a:latin typeface="华文楷体" pitchFamily="2" charset="-122"/>
-                <a:ea typeface="华文楷体" pitchFamily="2" charset="-122"/>
-              </a:rPr>
-              <a:t>url</a:t>
-            </a:r>
-            <a:r>
-              <a:rPr lang="zh-CN" altLang="en-US" sz="3200" b="1" dirty="0" smtClean="0">
-                <a:solidFill>
-                  <a:schemeClr val="tx1">
-                    <a:lumMod val="75000"/>
-                    <a:lumOff val="25000"/>
-                  </a:schemeClr>
-                </a:solidFill>
-                <a:latin typeface="华文楷体" pitchFamily="2" charset="-122"/>
-                <a:ea typeface="华文楷体" pitchFamily="2" charset="-122"/>
-              </a:rPr>
-              <a:t>的访问，所以全部处理流程和机制都是采用过滤器实现的。就是</a:t>
-            </a:r>
-            <a:r>
-              <a:rPr lang="en-US" altLang="zh-CN" sz="3200" b="1" dirty="0" smtClean="0">
-                <a:solidFill>
-                  <a:schemeClr val="tx1">
-                    <a:lumMod val="75000"/>
-                    <a:lumOff val="25000"/>
-                  </a:schemeClr>
-                </a:solidFill>
-                <a:latin typeface="华文楷体" pitchFamily="2" charset="-122"/>
-                <a:ea typeface="华文楷体" pitchFamily="2" charset="-122"/>
-              </a:rPr>
-              <a:t>Java Web</a:t>
-            </a:r>
-            <a:r>
-              <a:rPr lang="zh-CN" altLang="en-US" sz="3200" b="1" dirty="0" smtClean="0">
-                <a:solidFill>
-                  <a:schemeClr val="tx1">
-                    <a:lumMod val="75000"/>
-                    <a:lumOff val="25000"/>
-                  </a:schemeClr>
-                </a:solidFill>
-                <a:latin typeface="华文楷体" pitchFamily="2" charset="-122"/>
-                <a:ea typeface="华文楷体" pitchFamily="2" charset="-122"/>
-              </a:rPr>
-              <a:t>中的</a:t>
-            </a:r>
-            <a:r>
-              <a:rPr lang="en-US" altLang="zh-CN" sz="3200" b="1" dirty="0" err="1" smtClean="0">
-                <a:solidFill>
-                  <a:schemeClr val="tx1">
-                    <a:lumMod val="75000"/>
-                    <a:lumOff val="25000"/>
-                  </a:schemeClr>
-                </a:solidFill>
-                <a:latin typeface="华文楷体" pitchFamily="2" charset="-122"/>
-                <a:ea typeface="华文楷体" pitchFamily="2" charset="-122"/>
-              </a:rPr>
-              <a:t>Servlet</a:t>
-            </a:r>
-            <a:r>
-              <a:rPr lang="en-US" altLang="zh-CN" sz="3200" b="1" dirty="0" smtClean="0">
-                <a:solidFill>
-                  <a:schemeClr val="tx1">
-                    <a:lumMod val="75000"/>
-                    <a:lumOff val="25000"/>
-                  </a:schemeClr>
-                </a:solidFill>
-                <a:latin typeface="华文楷体" pitchFamily="2" charset="-122"/>
-                <a:ea typeface="华文楷体" pitchFamily="2" charset="-122"/>
-              </a:rPr>
-              <a:t> Filter</a:t>
-            </a:r>
-            <a:r>
-              <a:rPr lang="zh-CN" altLang="en-US" sz="3200" b="1" dirty="0" smtClean="0">
-                <a:solidFill>
-                  <a:schemeClr val="tx1">
-                    <a:lumMod val="75000"/>
-                    <a:lumOff val="25000"/>
-                  </a:schemeClr>
-                </a:solidFill>
-                <a:latin typeface="华文楷体" pitchFamily="2" charset="-122"/>
-                <a:ea typeface="华文楷体" pitchFamily="2" charset="-122"/>
-              </a:rPr>
-              <a:t>。</a:t>
+              <a:t>我们见到更多的是按数值来控制流程的，如一个变量的值，一个方法的返回值等。</a:t>
             </a:r>
             <a:endParaRPr lang="en-US" altLang="zh-CN" sz="3200" b="1" dirty="0" smtClean="0">
               <a:solidFill>
@@ -5599,8 +7684,8 @@
         </p:nvSpPr>
         <p:spPr>
           <a:xfrm>
-            <a:off x="714348" y="3359538"/>
-            <a:ext cx="8001056" cy="1569660"/>
+            <a:off x="714348" y="2857496"/>
+            <a:ext cx="8001056" cy="2062103"/>
           </a:xfrm>
           <a:prstGeom prst="rect">
             <a:avLst/>
@@ -5624,85 +7709,7 @@
                 <a:latin typeface="华文楷体" pitchFamily="2" charset="-122"/>
                 <a:ea typeface="华文楷体" pitchFamily="2" charset="-122"/>
               </a:rPr>
-              <a:t>系统定义了很多</a:t>
-            </a:r>
-            <a:r>
-              <a:rPr lang="en-US" altLang="zh-CN" sz="3200" b="1" dirty="0" smtClean="0">
-                <a:solidFill>
-                  <a:schemeClr val="tx1">
-                    <a:lumMod val="75000"/>
-                    <a:lumOff val="25000"/>
-                  </a:schemeClr>
-                </a:solidFill>
-                <a:latin typeface="华文楷体" pitchFamily="2" charset="-122"/>
-                <a:ea typeface="华文楷体" pitchFamily="2" charset="-122"/>
-              </a:rPr>
-              <a:t>Filter</a:t>
-            </a:r>
-            <a:r>
-              <a:rPr lang="zh-CN" altLang="en-US" sz="3200" b="1" dirty="0" smtClean="0">
-                <a:solidFill>
-                  <a:schemeClr val="tx1">
-                    <a:lumMod val="75000"/>
-                    <a:lumOff val="25000"/>
-                  </a:schemeClr>
-                </a:solidFill>
-                <a:latin typeface="华文楷体" pitchFamily="2" charset="-122"/>
-                <a:ea typeface="华文楷体" pitchFamily="2" charset="-122"/>
-              </a:rPr>
-              <a:t>，且这些</a:t>
-            </a:r>
-            <a:r>
-              <a:rPr lang="en-US" altLang="zh-CN" sz="3200" b="1" dirty="0" smtClean="0">
-                <a:solidFill>
-                  <a:schemeClr val="tx1">
-                    <a:lumMod val="75000"/>
-                    <a:lumOff val="25000"/>
-                  </a:schemeClr>
-                </a:solidFill>
-                <a:latin typeface="华文楷体" pitchFamily="2" charset="-122"/>
-                <a:ea typeface="华文楷体" pitchFamily="2" charset="-122"/>
-              </a:rPr>
-              <a:t>Filter</a:t>
-            </a:r>
-            <a:r>
-              <a:rPr lang="zh-CN" altLang="en-US" sz="3200" b="1" dirty="0" smtClean="0">
-                <a:solidFill>
-                  <a:schemeClr val="tx1">
-                    <a:lumMod val="75000"/>
-                    <a:lumOff val="25000"/>
-                  </a:schemeClr>
-                </a:solidFill>
-                <a:latin typeface="华文楷体" pitchFamily="2" charset="-122"/>
-                <a:ea typeface="华文楷体" pitchFamily="2" charset="-122"/>
-              </a:rPr>
-              <a:t>之间是有先后顺序的。一个请求到来，会依次经过各个</a:t>
-            </a:r>
-            <a:r>
-              <a:rPr lang="en-US" altLang="zh-CN" sz="3200" b="1" dirty="0" smtClean="0">
-                <a:solidFill>
-                  <a:schemeClr val="tx1">
-                    <a:lumMod val="75000"/>
-                    <a:lumOff val="25000"/>
-                  </a:schemeClr>
-                </a:solidFill>
-                <a:latin typeface="华文楷体" pitchFamily="2" charset="-122"/>
-                <a:ea typeface="华文楷体" pitchFamily="2" charset="-122"/>
-              </a:rPr>
-              <a:t>Filter</a:t>
-            </a:r>
-            <a:r>
-              <a:rPr lang="zh-CN" altLang="en-US" sz="3200" b="1" dirty="0" smtClean="0">
-                <a:solidFill>
-                  <a:schemeClr val="tx1">
-                    <a:lumMod val="75000"/>
-                    <a:lumOff val="25000"/>
-                  </a:schemeClr>
-                </a:solidFill>
-                <a:latin typeface="华文楷体" pitchFamily="2" charset="-122"/>
-                <a:ea typeface="华文楷体" pitchFamily="2" charset="-122"/>
-              </a:rPr>
-              <a:t>进行处理。</a:t>
+              <a:t>这个系统是按异常来控制流程的，绝大多数核心方法都没有返回值。</a:t>
             </a:r>
             <a:endParaRPr lang="en-US" altLang="zh-CN" sz="3200" b="1" dirty="0" smtClean="0">
               <a:solidFill>
@@ -5715,6 +7722,56 @@
               <a:ea typeface="华文楷体" pitchFamily="2" charset="-122"/>
             </a:endParaRPr>
           </a:p>
+          <a:p>
+            <a:r>
+              <a:rPr lang="zh-CN" altLang="en-US" sz="3200" b="1" dirty="0" smtClean="0">
+                <a:solidFill>
+                  <a:schemeClr val="tx1">
+                    <a:lumMod val="75000"/>
+                    <a:lumOff val="25000"/>
+                  </a:schemeClr>
+                </a:solidFill>
+                <a:latin typeface="华文楷体" pitchFamily="2" charset="-122"/>
+                <a:ea typeface="华文楷体" pitchFamily="2" charset="-122"/>
+              </a:rPr>
+              <a:t>如果没有抛出异常，则表明执行正常。</a:t>
+            </a:r>
+            <a:endParaRPr lang="en-US" altLang="zh-CN" sz="3200" b="1" dirty="0" smtClean="0">
+              <a:solidFill>
+                <a:schemeClr val="tx1">
+                  <a:lumMod val="75000"/>
+                  <a:lumOff val="25000"/>
+                </a:schemeClr>
+              </a:solidFill>
+              <a:latin typeface="华文楷体" pitchFamily="2" charset="-122"/>
+              <a:ea typeface="华文楷体" pitchFamily="2" charset="-122"/>
+            </a:endParaRPr>
+          </a:p>
+          <a:p>
+            <a:r>
+              <a:rPr lang="zh-CN" altLang="en-US" sz="3200" b="1" dirty="0" smtClean="0">
+                <a:solidFill>
+                  <a:schemeClr val="tx1">
+                    <a:lumMod val="75000"/>
+                    <a:lumOff val="25000"/>
+                  </a:schemeClr>
+                </a:solidFill>
+                <a:latin typeface="华文楷体" pitchFamily="2" charset="-122"/>
+                <a:ea typeface="华文楷体" pitchFamily="2" charset="-122"/>
+              </a:rPr>
+              <a:t>如果遇到问题，就抛出对应类型的异常。</a:t>
+            </a:r>
+            <a:endParaRPr lang="en-US" altLang="zh-CN" sz="3200" b="1" dirty="0" smtClean="0">
+              <a:solidFill>
+                <a:schemeClr val="tx1">
+                  <a:lumMod val="75000"/>
+                  <a:lumOff val="25000"/>
+                </a:schemeClr>
+              </a:solidFill>
+              <a:latin typeface="华文楷体" pitchFamily="2" charset="-122"/>
+              <a:ea typeface="华文楷体" pitchFamily="2" charset="-122"/>
+            </a:endParaRPr>
+          </a:p>
         </p:txBody>
       </p:sp>
     </p:spTree>
@@ -5725,9 +7782,244 @@
   <p:timing>
     <p:tnLst>
       <p:par>
-        <p:cTn id="1" dur="indefinite" restart="never" nodeType="tmRoot"/>
+        <p:cTn id="1" dur="indefinite" restart="never" nodeType="tmRoot">
+          <p:childTnLst>
+            <p:seq concurrent="1" nextAc="seek">
+              <p:cTn id="2" dur="indefinite" nodeType="mainSeq">
+                <p:childTnLst>
+                  <p:par>
+                    <p:cTn id="3" fill="hold">
+                      <p:stCondLst>
+                        <p:cond delay="indefinite"/>
+                      </p:stCondLst>
+                      <p:childTnLst>
+                        <p:par>
+                          <p:cTn id="4" fill="hold">
+                            <p:stCondLst>
+                              <p:cond delay="0"/>
+                            </p:stCondLst>
+                            <p:childTnLst>
+                              <p:par>
+                                <p:cTn id="5" presetID="22" presetClass="entr" presetSubtype="4" fill="hold" grpId="0" nodeType="clickEffect">
+                                  <p:stCondLst>
+                                    <p:cond delay="0"/>
+                                  </p:stCondLst>
+                                  <p:childTnLst>
+                                    <p:set>
+                                      <p:cBhvr>
+                                        <p:cTn id="6" dur="1" fill="hold">
+                                          <p:stCondLst>
+                                            <p:cond delay="0"/>
+                                          </p:stCondLst>
+                                        </p:cTn>
+                                        <p:tgtEl>
+                                          <p:spTgt spid="7">
+                                            <p:txEl>
+                                              <p:pRg st="0" end="0"/>
+                                            </p:txEl>
+                                          </p:spTgt>
+                                        </p:tgtEl>
+                                        <p:attrNameLst>
+                                          <p:attrName>style.visibility</p:attrName>
+                                        </p:attrNameLst>
+                                      </p:cBhvr>
+                                      <p:to>
+                                        <p:strVal val="visible"/>
+                                      </p:to>
+                                    </p:set>
+                                    <p:animEffect transition="in" filter="wipe(down)">
+                                      <p:cBhvr>
+                                        <p:cTn id="7" dur="500"/>
+                                        <p:tgtEl>
+                                          <p:spTgt spid="7">
+                                            <p:txEl>
+                                              <p:pRg st="0" end="0"/>
+                                            </p:txEl>
+                                          </p:spTgt>
+                                        </p:tgtEl>
+                                      </p:cBhvr>
+                                    </p:animEffect>
+                                  </p:childTnLst>
+                                </p:cTn>
+                              </p:par>
+                            </p:childTnLst>
+                          </p:cTn>
+                        </p:par>
+                      </p:childTnLst>
+                    </p:cTn>
+                  </p:par>
+                  <p:par>
+                    <p:cTn id="8" fill="hold">
+                      <p:stCondLst>
+                        <p:cond delay="indefinite"/>
+                      </p:stCondLst>
+                      <p:childTnLst>
+                        <p:par>
+                          <p:cTn id="9" fill="hold">
+                            <p:stCondLst>
+                              <p:cond delay="0"/>
+                            </p:stCondLst>
+                            <p:childTnLst>
+                              <p:par>
+                                <p:cTn id="10" presetID="22" presetClass="entr" presetSubtype="4" fill="hold" grpId="0" nodeType="clickEffect">
+                                  <p:stCondLst>
+                                    <p:cond delay="0"/>
+                                  </p:stCondLst>
+                                  <p:childTnLst>
+                                    <p:set>
+                                      <p:cBhvr>
+                                        <p:cTn id="11" dur="1" fill="hold">
+                                          <p:stCondLst>
+                                            <p:cond delay="0"/>
+                                          </p:stCondLst>
+                                        </p:cTn>
+                                        <p:tgtEl>
+                                          <p:spTgt spid="4">
+                                            <p:txEl>
+                                              <p:pRg st="0" end="0"/>
+                                            </p:txEl>
+                                          </p:spTgt>
+                                        </p:tgtEl>
+                                        <p:attrNameLst>
+                                          <p:attrName>style.visibility</p:attrName>
+                                        </p:attrNameLst>
+                                      </p:cBhvr>
+                                      <p:to>
+                                        <p:strVal val="visible"/>
+                                      </p:to>
+                                    </p:set>
+                                    <p:animEffect transition="in" filter="wipe(down)">
+                                      <p:cBhvr>
+                                        <p:cTn id="12" dur="500"/>
+                                        <p:tgtEl>
+                                          <p:spTgt spid="4">
+                                            <p:txEl>
+                                              <p:pRg st="0" end="0"/>
+                                            </p:txEl>
+                                          </p:spTgt>
+                                        </p:tgtEl>
+                                      </p:cBhvr>
+                                    </p:animEffect>
+                                  </p:childTnLst>
+                                </p:cTn>
+                              </p:par>
+                              <p:par>
+                                <p:cTn id="13" presetID="22" presetClass="entr" presetSubtype="4" fill="hold" grpId="0" nodeType="withEffect">
+                                  <p:stCondLst>
+                                    <p:cond delay="0"/>
+                                  </p:stCondLst>
+                                  <p:childTnLst>
+                                    <p:set>
+                                      <p:cBhvr>
+                                        <p:cTn id="14" dur="1" fill="hold">
+                                          <p:stCondLst>
+                                            <p:cond delay="0"/>
+                                          </p:stCondLst>
+                                        </p:cTn>
+                                        <p:tgtEl>
+                                          <p:spTgt spid="4">
+                                            <p:txEl>
+                                              <p:pRg st="1" end="1"/>
+                                            </p:txEl>
+                                          </p:spTgt>
+                                        </p:tgtEl>
+                                        <p:attrNameLst>
+                                          <p:attrName>style.visibility</p:attrName>
+                                        </p:attrNameLst>
+                                      </p:cBhvr>
+                                      <p:to>
+                                        <p:strVal val="visible"/>
+                                      </p:to>
+                                    </p:set>
+                                    <p:animEffect transition="in" filter="wipe(down)">
+                                      <p:cBhvr>
+                                        <p:cTn id="15" dur="500"/>
+                                        <p:tgtEl>
+                                          <p:spTgt spid="4">
+                                            <p:txEl>
+                                              <p:pRg st="1" end="1"/>
+                                            </p:txEl>
+                                          </p:spTgt>
+                                        </p:tgtEl>
+                                      </p:cBhvr>
+                                    </p:animEffect>
+                                  </p:childTnLst>
+                                </p:cTn>
+                              </p:par>
+                              <p:par>
+                                <p:cTn id="16" presetID="22" presetClass="entr" presetSubtype="4" fill="hold" grpId="0" nodeType="withEffect">
+                                  <p:stCondLst>
+                                    <p:cond delay="0"/>
+                                  </p:stCondLst>
+                                  <p:childTnLst>
+                                    <p:set>
+                                      <p:cBhvr>
+                                        <p:cTn id="17" dur="1" fill="hold">
+                                          <p:stCondLst>
+                                            <p:cond delay="0"/>
+                                          </p:stCondLst>
+                                        </p:cTn>
+                                        <p:tgtEl>
+                                          <p:spTgt spid="4">
+                                            <p:txEl>
+                                              <p:pRg st="2" end="2"/>
+                                            </p:txEl>
+                                          </p:spTgt>
+                                        </p:tgtEl>
+                                        <p:attrNameLst>
+                                          <p:attrName>style.visibility</p:attrName>
+                                        </p:attrNameLst>
+                                      </p:cBhvr>
+                                      <p:to>
+                                        <p:strVal val="visible"/>
+                                      </p:to>
+                                    </p:set>
+                                    <p:animEffect transition="in" filter="wipe(down)">
+                                      <p:cBhvr>
+                                        <p:cTn id="18" dur="500"/>
+                                        <p:tgtEl>
+                                          <p:spTgt spid="4">
+                                            <p:txEl>
+                                              <p:pRg st="2" end="2"/>
+                                            </p:txEl>
+                                          </p:spTgt>
+                                        </p:tgtEl>
+                                      </p:cBhvr>
+                                    </p:animEffect>
+                                  </p:childTnLst>
+                                </p:cTn>
+                              </p:par>
+                            </p:childTnLst>
+                          </p:cTn>
+                        </p:par>
+                      </p:childTnLst>
+                    </p:cTn>
+                  </p:par>
+                </p:childTnLst>
+              </p:cTn>
+              <p:prevCondLst>
+                <p:cond evt="onPrev" delay="0">
+                  <p:tgtEl>
+                    <p:sldTgt/>
+                  </p:tgtEl>
+                </p:cond>
+              </p:prevCondLst>
+              <p:nextCondLst>
+                <p:cond evt="onNext" delay="0">
+                  <p:tgtEl>
+                    <p:sldTgt/>
+                  </p:tgtEl>
+                </p:cond>
+              </p:nextCondLst>
+            </p:seq>
+          </p:childTnLst>
+        </p:cTn>
       </p:par>
     </p:tnLst>
+    <p:bldLst>
+      <p:bldP spid="7" grpId="0" build="allAtOnce"/>
+      <p:bldP spid="4" grpId="0" build="allAtOnce"/>
+    </p:bldLst>
   </p:timing>
 </p:sld>
 </file>
@@ -5782,7 +8074,7 @@
                 <a:latin typeface="华文楷体" pitchFamily="2" charset="-122"/>
                 <a:ea typeface="华文楷体" pitchFamily="2" charset="-122"/>
               </a:rPr>
-              <a:t>流程控制机制</a:t>
+              <a:t>对</a:t>
             </a:r>
             <a:r>
               <a:rPr lang="en-US" altLang="zh-CN" sz="4000" b="1" dirty="0" smtClean="0">
@@ -5795,7 +8087,33 @@
                 <a:latin typeface="华文楷体" pitchFamily="2" charset="-122"/>
                 <a:ea typeface="华文楷体" pitchFamily="2" charset="-122"/>
               </a:rPr>
-              <a:t>(Flow control)</a:t>
+              <a:t>Bean</a:t>
+            </a:r>
+            <a:r>
+              <a:rPr lang="zh-CN" altLang="en-US" sz="4000" b="1" dirty="0" smtClean="0">
+                <a:solidFill>
+                  <a:schemeClr val="tx1">
+                    <a:lumMod val="75000"/>
+                    <a:lumOff val="25000"/>
+                  </a:schemeClr>
+                </a:solidFill>
+                <a:latin typeface="华文楷体" pitchFamily="2" charset="-122"/>
+                <a:ea typeface="华文楷体" pitchFamily="2" charset="-122"/>
+              </a:rPr>
+              <a:t>方法访问的实现原理</a:t>
+            </a:r>
+            <a:r>
+              <a:rPr lang="en-US" altLang="zh-CN" sz="4000" b="1" dirty="0" smtClean="0">
+                <a:solidFill>
+                  <a:schemeClr val="tx1">
+                    <a:lumMod val="75000"/>
+                    <a:lumOff val="25000"/>
+                  </a:schemeClr>
+                </a:solidFill>
+                <a:latin typeface="华文楷体" pitchFamily="2" charset="-122"/>
+                <a:ea typeface="华文楷体" pitchFamily="2" charset="-122"/>
+              </a:rPr>
+              <a:t>(Method)</a:t>
             </a:r>
             <a:endParaRPr lang="zh-CN" altLang="en-US" sz="4000" b="1" dirty="0">
               <a:solidFill>
@@ -5843,43 +8161,21 @@
                 <a:latin typeface="华文楷体" pitchFamily="2" charset="-122"/>
                 <a:ea typeface="华文楷体" pitchFamily="2" charset="-122"/>
               </a:rPr>
-              <a:t>我们见到更多的是按数值来控制流程的，如一个变量的值，一个方法的返回值等。</a:t>
-            </a:r>
-            <a:endParaRPr lang="en-US" altLang="zh-CN" sz="3200" b="1" dirty="0" smtClean="0">
-              <a:solidFill>
-                <a:schemeClr val="tx1">
-                  <a:lumMod val="75000"/>
-                  <a:lumOff val="25000"/>
-                </a:schemeClr>
-              </a:solidFill>
-              <a:latin typeface="华文楷体" pitchFamily="2" charset="-122"/>
-              <a:ea typeface="华文楷体" pitchFamily="2" charset="-122"/>
-            </a:endParaRPr>
-          </a:p>
-        </p:txBody>
-      </p:sp>
-      <p:sp>
-        <p:nvSpPr>
-          <p:cNvPr id="4" name="TextBox 3"/>
-          <p:cNvSpPr txBox="1"/>
-          <p:nvPr/>
-        </p:nvSpPr>
-        <p:spPr>
-          <a:xfrm>
-            <a:off x="714348" y="2857496"/>
-            <a:ext cx="8001056" cy="2062103"/>
-          </a:xfrm>
-          <a:prstGeom prst="rect">
-            <a:avLst/>
-          </a:prstGeom>
-          <a:noFill/>
-        </p:spPr>
-        <p:txBody>
-          <a:bodyPr wrap="square" rtlCol="0">
-            <a:spAutoFit/>
-          </a:bodyPr>
-          <a:lstStyle/>
-          <a:p>
+              <a:t>也可以实现非</a:t>
+            </a:r>
+            <a:r>
+              <a:rPr lang="en-US" altLang="zh-CN" sz="3200" b="1" dirty="0" smtClean="0">
+                <a:solidFill>
+                  <a:schemeClr val="tx1">
+                    <a:lumMod val="75000"/>
+                    <a:lumOff val="25000"/>
+                  </a:schemeClr>
+                </a:solidFill>
+                <a:latin typeface="华文楷体" pitchFamily="2" charset="-122"/>
+                <a:ea typeface="华文楷体" pitchFamily="2" charset="-122"/>
+              </a:rPr>
+              <a:t>web</a:t>
+            </a:r>
             <a:r>
               <a:rPr lang="zh-CN" altLang="en-US" sz="3200" b="1" dirty="0" smtClean="0">
                 <a:solidFill>
@@ -5891,20 +8187,21 @@
                 <a:latin typeface="华文楷体" pitchFamily="2" charset="-122"/>
                 <a:ea typeface="华文楷体" pitchFamily="2" charset="-122"/>
               </a:rPr>
-              <a:t>这个系统是按异常来控制流程的，绝大多数核心方法都没有返回值。</a:t>
-            </a:r>
-            <a:endParaRPr lang="en-US" altLang="zh-CN" sz="3200" b="1" dirty="0" smtClean="0">
-              <a:solidFill>
-                <a:schemeClr val="tx1">
-                  <a:lumMod val="75000"/>
-                  <a:lumOff val="25000"/>
-                </a:schemeClr>
-              </a:solidFill>
-              <a:latin typeface="华文楷体" pitchFamily="2" charset="-122"/>
-              <a:ea typeface="华文楷体" pitchFamily="2" charset="-122"/>
-            </a:endParaRPr>
-          </a:p>
-          <a:p>
+              <a:t>的，对容器中的</a:t>
+            </a:r>
+            <a:r>
+              <a:rPr lang="en-US" altLang="zh-CN" sz="3200" b="1" dirty="0" smtClean="0">
+                <a:solidFill>
+                  <a:schemeClr val="tx1">
+                    <a:lumMod val="75000"/>
+                    <a:lumOff val="25000"/>
+                  </a:schemeClr>
+                </a:solidFill>
+                <a:latin typeface="华文楷体" pitchFamily="2" charset="-122"/>
+                <a:ea typeface="华文楷体" pitchFamily="2" charset="-122"/>
+              </a:rPr>
+              <a:t>bean</a:t>
+            </a:r>
             <a:r>
               <a:rPr lang="zh-CN" altLang="en-US" sz="3200" b="1" dirty="0" smtClean="0">
                 <a:solidFill>
@@ -5916,32 +8213,7 @@
                 <a:latin typeface="华文楷体" pitchFamily="2" charset="-122"/>
                 <a:ea typeface="华文楷体" pitchFamily="2" charset="-122"/>
               </a:rPr>
-              <a:t>如果没有抛出异常，则表明执行正常。</a:t>
-            </a:r>
-            <a:endParaRPr lang="en-US" altLang="zh-CN" sz="3200" b="1" dirty="0" smtClean="0">
-              <a:solidFill>
-                <a:schemeClr val="tx1">
-                  <a:lumMod val="75000"/>
-                  <a:lumOff val="25000"/>
-                </a:schemeClr>
-              </a:solidFill>
-              <a:latin typeface="华文楷体" pitchFamily="2" charset="-122"/>
-              <a:ea typeface="华文楷体" pitchFamily="2" charset="-122"/>
-            </a:endParaRPr>
-          </a:p>
-          <a:p>
-            <a:r>
-              <a:rPr lang="zh-CN" altLang="en-US" sz="3200" b="1" dirty="0" smtClean="0">
-                <a:solidFill>
-                  <a:schemeClr val="tx1">
-                    <a:lumMod val="75000"/>
-                    <a:lumOff val="25000"/>
-                  </a:schemeClr>
-                </a:solidFill>
-                <a:latin typeface="华文楷体" pitchFamily="2" charset="-122"/>
-                <a:ea typeface="华文楷体" pitchFamily="2" charset="-122"/>
-              </a:rPr>
-              <a:t>如果遇到问题，就抛出对应类型的异常。</a:t>
+              <a:t>的方法的访问控制。</a:t>
             </a:r>
             <a:endParaRPr lang="en-US" altLang="zh-CN" sz="3200" b="1" dirty="0" smtClean="0">
               <a:solidFill>
